--- a/企画書_GrappleKing_瀬戸雄大.pptx
+++ b/企画書_GrappleKing_瀬戸雄大.pptx
@@ -2,7 +2,7 @@
 <file path=ppt/presentation.xml><?xml version="1.0" encoding="utf-8"?>
 <p:presentation xmlns:a="http://schemas.openxmlformats.org/drawingml/2006/main" xmlns:r="http://schemas.openxmlformats.org/officeDocument/2006/relationships" xmlns:p="http://schemas.openxmlformats.org/presentationml/2006/main" saveSubsetFonts="1">
   <p:sldMasterIdLst>
-    <p:sldMasterId id="2147483648" r:id="rId1"/>
+    <p:sldMasterId id="2147483677" r:id="rId1"/>
   </p:sldMasterIdLst>
   <p:sldIdLst>
     <p:sldId id="259" r:id="rId2"/>
@@ -136,7 +136,7 @@
           <p:cNvPr id="2" name="タイトル 1">
             <a:extLst>
               <a:ext uri="{FF2B5EF4-FFF2-40B4-BE49-F238E27FC236}">
-                <a16:creationId xmlns:a16="http://schemas.microsoft.com/office/drawing/2014/main" id="{A31C0219-F7E8-41FE-B5ED-ACBAB493BE4E}"/>
+                <a16:creationId xmlns:a16="http://schemas.microsoft.com/office/drawing/2014/main" id="{22B90B74-4A27-4DB5-98EB-5448E15D7C11}"/>
               </a:ext>
             </a:extLst>
           </p:cNvPr>
@@ -173,7 +173,7 @@
           <p:cNvPr id="3" name="字幕 2">
             <a:extLst>
               <a:ext uri="{FF2B5EF4-FFF2-40B4-BE49-F238E27FC236}">
-                <a16:creationId xmlns:a16="http://schemas.microsoft.com/office/drawing/2014/main" id="{3E2490B6-5227-4AAB-971B-44660392A372}"/>
+                <a16:creationId xmlns:a16="http://schemas.microsoft.com/office/drawing/2014/main" id="{A48DAEDF-EC5D-4248-80B6-E26BB2115B3E}"/>
               </a:ext>
             </a:extLst>
           </p:cNvPr>
@@ -243,7 +243,7 @@
           <p:cNvPr id="4" name="日付プレースホルダー 3">
             <a:extLst>
               <a:ext uri="{FF2B5EF4-FFF2-40B4-BE49-F238E27FC236}">
-                <a16:creationId xmlns:a16="http://schemas.microsoft.com/office/drawing/2014/main" id="{D1F39FCF-0BBD-4A8D-A9A7-3907D5F3BE3C}"/>
+                <a16:creationId xmlns:a16="http://schemas.microsoft.com/office/drawing/2014/main" id="{1DFF0E90-E62C-4F84-91DD-E10A438D421F}"/>
               </a:ext>
             </a:extLst>
           </p:cNvPr>
@@ -261,7 +261,7 @@
           <a:p>
             <a:fld id="{5D27F444-32D9-4190-AE51-29C77992DDE5}" type="datetimeFigureOut">
               <a:rPr kumimoji="1" lang="ja-JP" altLang="en-US" smtClean="0"/>
-              <a:t>2024/11/25</a:t>
+              <a:t>2024/12/2</a:t>
             </a:fld>
             <a:endParaRPr kumimoji="1" lang="ja-JP" altLang="en-US"/>
           </a:p>
@@ -272,7 +272,7 @@
           <p:cNvPr id="5" name="フッター プレースホルダー 4">
             <a:extLst>
               <a:ext uri="{FF2B5EF4-FFF2-40B4-BE49-F238E27FC236}">
-                <a16:creationId xmlns:a16="http://schemas.microsoft.com/office/drawing/2014/main" id="{CAAE0226-1686-4370-912B-C8E8837FF9C4}"/>
+                <a16:creationId xmlns:a16="http://schemas.microsoft.com/office/drawing/2014/main" id="{6E2131C4-E31C-429A-A6D7-65AE72464F8E}"/>
               </a:ext>
             </a:extLst>
           </p:cNvPr>
@@ -297,7 +297,7 @@
           <p:cNvPr id="6" name="スライド番号プレースホルダー 5">
             <a:extLst>
               <a:ext uri="{FF2B5EF4-FFF2-40B4-BE49-F238E27FC236}">
-                <a16:creationId xmlns:a16="http://schemas.microsoft.com/office/drawing/2014/main" id="{AB906B09-D6E6-4D9F-91BF-71A39486212F}"/>
+                <a16:creationId xmlns:a16="http://schemas.microsoft.com/office/drawing/2014/main" id="{DFCF326F-A6DF-4B02-8342-B4F4A072BBF2}"/>
               </a:ext>
             </a:extLst>
           </p:cNvPr>
@@ -324,7 +324,7 @@
     </p:spTree>
     <p:extLst>
       <p:ext uri="{BB962C8B-B14F-4D97-AF65-F5344CB8AC3E}">
-        <p14:creationId xmlns:p14="http://schemas.microsoft.com/office/powerpoint/2010/main" val="4156997690"/>
+        <p14:creationId xmlns:p14="http://schemas.microsoft.com/office/powerpoint/2010/main" val="1135537353"/>
       </p:ext>
     </p:extLst>
   </p:cSld>
@@ -356,7 +356,7 @@
           <p:cNvPr id="2" name="タイトル 1">
             <a:extLst>
               <a:ext uri="{FF2B5EF4-FFF2-40B4-BE49-F238E27FC236}">
-                <a16:creationId xmlns:a16="http://schemas.microsoft.com/office/drawing/2014/main" id="{62AEECD5-0BD0-4695-B56C-949D2DC5BE0E}"/>
+                <a16:creationId xmlns:a16="http://schemas.microsoft.com/office/drawing/2014/main" id="{EFA20D16-A6FC-42BB-B9AA-08286BD67232}"/>
               </a:ext>
             </a:extLst>
           </p:cNvPr>
@@ -384,7 +384,7 @@
           <p:cNvPr id="3" name="縦書きテキスト プレースホルダー 2">
             <a:extLst>
               <a:ext uri="{FF2B5EF4-FFF2-40B4-BE49-F238E27FC236}">
-                <a16:creationId xmlns:a16="http://schemas.microsoft.com/office/drawing/2014/main" id="{9BC3827E-7DF6-4A24-B8E5-C425B28812F4}"/>
+                <a16:creationId xmlns:a16="http://schemas.microsoft.com/office/drawing/2014/main" id="{C0D6B559-B2BD-47CA-BB2E-AB603E512BDA}"/>
               </a:ext>
             </a:extLst>
           </p:cNvPr>
@@ -473,7 +473,7 @@
           <p:cNvPr id="4" name="日付プレースホルダー 3">
             <a:extLst>
               <a:ext uri="{FF2B5EF4-FFF2-40B4-BE49-F238E27FC236}">
-                <a16:creationId xmlns:a16="http://schemas.microsoft.com/office/drawing/2014/main" id="{BA8B7486-6405-4C52-9193-E6F5F9F042E2}"/>
+                <a16:creationId xmlns:a16="http://schemas.microsoft.com/office/drawing/2014/main" id="{9A0817B8-4B1E-476F-A545-4CB1BD31F66D}"/>
               </a:ext>
             </a:extLst>
           </p:cNvPr>
@@ -491,7 +491,7 @@
           <a:p>
             <a:fld id="{5D27F444-32D9-4190-AE51-29C77992DDE5}" type="datetimeFigureOut">
               <a:rPr kumimoji="1" lang="ja-JP" altLang="en-US" smtClean="0"/>
-              <a:t>2024/11/25</a:t>
+              <a:t>2024/12/2</a:t>
             </a:fld>
             <a:endParaRPr kumimoji="1" lang="ja-JP" altLang="en-US"/>
           </a:p>
@@ -502,7 +502,7 @@
           <p:cNvPr id="5" name="フッター プレースホルダー 4">
             <a:extLst>
               <a:ext uri="{FF2B5EF4-FFF2-40B4-BE49-F238E27FC236}">
-                <a16:creationId xmlns:a16="http://schemas.microsoft.com/office/drawing/2014/main" id="{A2C97781-9348-404A-A678-1C32CEFC11E3}"/>
+                <a16:creationId xmlns:a16="http://schemas.microsoft.com/office/drawing/2014/main" id="{A9957B89-49F3-4ED2-9CB3-342B50E4A5E8}"/>
               </a:ext>
             </a:extLst>
           </p:cNvPr>
@@ -527,7 +527,7 @@
           <p:cNvPr id="6" name="スライド番号プレースホルダー 5">
             <a:extLst>
               <a:ext uri="{FF2B5EF4-FFF2-40B4-BE49-F238E27FC236}">
-                <a16:creationId xmlns:a16="http://schemas.microsoft.com/office/drawing/2014/main" id="{D3858693-1216-4141-A5FA-3E101182E60E}"/>
+                <a16:creationId xmlns:a16="http://schemas.microsoft.com/office/drawing/2014/main" id="{C543E64E-D196-4887-B6FD-F4DA43A78950}"/>
               </a:ext>
             </a:extLst>
           </p:cNvPr>
@@ -554,7 +554,7 @@
     </p:spTree>
     <p:extLst>
       <p:ext uri="{BB962C8B-B14F-4D97-AF65-F5344CB8AC3E}">
-        <p14:creationId xmlns:p14="http://schemas.microsoft.com/office/powerpoint/2010/main" val="2753122292"/>
+        <p14:creationId xmlns:p14="http://schemas.microsoft.com/office/powerpoint/2010/main" val="2332202274"/>
       </p:ext>
     </p:extLst>
   </p:cSld>
@@ -586,7 +586,7 @@
           <p:cNvPr id="2" name="縦書きタイトル 1">
             <a:extLst>
               <a:ext uri="{FF2B5EF4-FFF2-40B4-BE49-F238E27FC236}">
-                <a16:creationId xmlns:a16="http://schemas.microsoft.com/office/drawing/2014/main" id="{503D9307-98D7-4EBA-9F27-615F30B90AA5}"/>
+                <a16:creationId xmlns:a16="http://schemas.microsoft.com/office/drawing/2014/main" id="{EFCA38C0-9426-4459-B912-3A3013B12ADB}"/>
               </a:ext>
             </a:extLst>
           </p:cNvPr>
@@ -619,7 +619,7 @@
           <p:cNvPr id="3" name="縦書きテキスト プレースホルダー 2">
             <a:extLst>
               <a:ext uri="{FF2B5EF4-FFF2-40B4-BE49-F238E27FC236}">
-                <a16:creationId xmlns:a16="http://schemas.microsoft.com/office/drawing/2014/main" id="{B63A3778-F687-4C9B-BE3F-C28EE6C6ED4E}"/>
+                <a16:creationId xmlns:a16="http://schemas.microsoft.com/office/drawing/2014/main" id="{F453703F-D6E4-44A6-92CF-492A6536041A}"/>
               </a:ext>
             </a:extLst>
           </p:cNvPr>
@@ -713,7 +713,7 @@
           <p:cNvPr id="4" name="日付プレースホルダー 3">
             <a:extLst>
               <a:ext uri="{FF2B5EF4-FFF2-40B4-BE49-F238E27FC236}">
-                <a16:creationId xmlns:a16="http://schemas.microsoft.com/office/drawing/2014/main" id="{D331399B-0C4C-47D2-8051-44CE019D4F5A}"/>
+                <a16:creationId xmlns:a16="http://schemas.microsoft.com/office/drawing/2014/main" id="{9962C618-9A24-43B4-B6C5-DB1FA57C1F39}"/>
               </a:ext>
             </a:extLst>
           </p:cNvPr>
@@ -731,7 +731,7 @@
           <a:p>
             <a:fld id="{5D27F444-32D9-4190-AE51-29C77992DDE5}" type="datetimeFigureOut">
               <a:rPr kumimoji="1" lang="ja-JP" altLang="en-US" smtClean="0"/>
-              <a:t>2024/11/25</a:t>
+              <a:t>2024/12/2</a:t>
             </a:fld>
             <a:endParaRPr kumimoji="1" lang="ja-JP" altLang="en-US"/>
           </a:p>
@@ -742,7 +742,7 @@
           <p:cNvPr id="5" name="フッター プレースホルダー 4">
             <a:extLst>
               <a:ext uri="{FF2B5EF4-FFF2-40B4-BE49-F238E27FC236}">
-                <a16:creationId xmlns:a16="http://schemas.microsoft.com/office/drawing/2014/main" id="{277C39BD-B3DA-4919-B76D-065CDFFEB314}"/>
+                <a16:creationId xmlns:a16="http://schemas.microsoft.com/office/drawing/2014/main" id="{904294AC-9368-432A-B018-1601022434A5}"/>
               </a:ext>
             </a:extLst>
           </p:cNvPr>
@@ -767,7 +767,7 @@
           <p:cNvPr id="6" name="スライド番号プレースホルダー 5">
             <a:extLst>
               <a:ext uri="{FF2B5EF4-FFF2-40B4-BE49-F238E27FC236}">
-                <a16:creationId xmlns:a16="http://schemas.microsoft.com/office/drawing/2014/main" id="{EC79E1A0-9225-4338-9EFA-94DEA2C0BA89}"/>
+                <a16:creationId xmlns:a16="http://schemas.microsoft.com/office/drawing/2014/main" id="{1C7F798A-A93D-46C6-AADD-4017E74E3973}"/>
               </a:ext>
             </a:extLst>
           </p:cNvPr>
@@ -794,7 +794,7 @@
     </p:spTree>
     <p:extLst>
       <p:ext uri="{BB962C8B-B14F-4D97-AF65-F5344CB8AC3E}">
-        <p14:creationId xmlns:p14="http://schemas.microsoft.com/office/powerpoint/2010/main" val="1233925303"/>
+        <p14:creationId xmlns:p14="http://schemas.microsoft.com/office/powerpoint/2010/main" val="1106077363"/>
       </p:ext>
     </p:extLst>
   </p:cSld>
@@ -826,7 +826,7 @@
           <p:cNvPr id="2" name="タイトル 1">
             <a:extLst>
               <a:ext uri="{FF2B5EF4-FFF2-40B4-BE49-F238E27FC236}">
-                <a16:creationId xmlns:a16="http://schemas.microsoft.com/office/drawing/2014/main" id="{0C51A234-DA6E-44FF-A94A-179BED67CBBD}"/>
+                <a16:creationId xmlns:a16="http://schemas.microsoft.com/office/drawing/2014/main" id="{03323C52-A6E2-4E24-A617-83D7B853DB34}"/>
               </a:ext>
             </a:extLst>
           </p:cNvPr>
@@ -854,7 +854,7 @@
           <p:cNvPr id="3" name="コンテンツ プレースホルダー 2">
             <a:extLst>
               <a:ext uri="{FF2B5EF4-FFF2-40B4-BE49-F238E27FC236}">
-                <a16:creationId xmlns:a16="http://schemas.microsoft.com/office/drawing/2014/main" id="{74C40E23-74F3-4171-B604-5D491801886A}"/>
+                <a16:creationId xmlns:a16="http://schemas.microsoft.com/office/drawing/2014/main" id="{9F4B5D48-F4AE-4DEC-87BC-87F2CD30BAE3}"/>
               </a:ext>
             </a:extLst>
           </p:cNvPr>
@@ -943,7 +943,7 @@
           <p:cNvPr id="4" name="日付プレースホルダー 3">
             <a:extLst>
               <a:ext uri="{FF2B5EF4-FFF2-40B4-BE49-F238E27FC236}">
-                <a16:creationId xmlns:a16="http://schemas.microsoft.com/office/drawing/2014/main" id="{150291B5-4808-480C-B057-E4AF28C47693}"/>
+                <a16:creationId xmlns:a16="http://schemas.microsoft.com/office/drawing/2014/main" id="{7DA2EB94-C5A5-4953-BC70-8A78144BC888}"/>
               </a:ext>
             </a:extLst>
           </p:cNvPr>
@@ -961,7 +961,7 @@
           <a:p>
             <a:fld id="{5D27F444-32D9-4190-AE51-29C77992DDE5}" type="datetimeFigureOut">
               <a:rPr kumimoji="1" lang="ja-JP" altLang="en-US" smtClean="0"/>
-              <a:t>2024/11/25</a:t>
+              <a:t>2024/12/2</a:t>
             </a:fld>
             <a:endParaRPr kumimoji="1" lang="ja-JP" altLang="en-US"/>
           </a:p>
@@ -972,7 +972,7 @@
           <p:cNvPr id="5" name="フッター プレースホルダー 4">
             <a:extLst>
               <a:ext uri="{FF2B5EF4-FFF2-40B4-BE49-F238E27FC236}">
-                <a16:creationId xmlns:a16="http://schemas.microsoft.com/office/drawing/2014/main" id="{F2AD084B-68FD-4C85-9C76-98B91099F814}"/>
+                <a16:creationId xmlns:a16="http://schemas.microsoft.com/office/drawing/2014/main" id="{FA731E16-8EA5-4E37-8259-FA5FE11A3105}"/>
               </a:ext>
             </a:extLst>
           </p:cNvPr>
@@ -997,7 +997,7 @@
           <p:cNvPr id="6" name="スライド番号プレースホルダー 5">
             <a:extLst>
               <a:ext uri="{FF2B5EF4-FFF2-40B4-BE49-F238E27FC236}">
-                <a16:creationId xmlns:a16="http://schemas.microsoft.com/office/drawing/2014/main" id="{F7385FBB-8F01-47C7-93AD-DE60FFA29E18}"/>
+                <a16:creationId xmlns:a16="http://schemas.microsoft.com/office/drawing/2014/main" id="{84C8D09C-BDBF-4060-8026-E40C5943290E}"/>
               </a:ext>
             </a:extLst>
           </p:cNvPr>
@@ -1024,7 +1024,7 @@
     </p:spTree>
     <p:extLst>
       <p:ext uri="{BB962C8B-B14F-4D97-AF65-F5344CB8AC3E}">
-        <p14:creationId xmlns:p14="http://schemas.microsoft.com/office/powerpoint/2010/main" val="497310803"/>
+        <p14:creationId xmlns:p14="http://schemas.microsoft.com/office/powerpoint/2010/main" val="177291936"/>
       </p:ext>
     </p:extLst>
   </p:cSld>
@@ -1056,7 +1056,7 @@
           <p:cNvPr id="2" name="タイトル 1">
             <a:extLst>
               <a:ext uri="{FF2B5EF4-FFF2-40B4-BE49-F238E27FC236}">
-                <a16:creationId xmlns:a16="http://schemas.microsoft.com/office/drawing/2014/main" id="{B974D2BD-C52B-427A-A12E-0DE4C812B077}"/>
+                <a16:creationId xmlns:a16="http://schemas.microsoft.com/office/drawing/2014/main" id="{E2B041E2-28EF-4D4C-809C-16AD74155491}"/>
               </a:ext>
             </a:extLst>
           </p:cNvPr>
@@ -1093,7 +1093,7 @@
           <p:cNvPr id="3" name="テキスト プレースホルダー 2">
             <a:extLst>
               <a:ext uri="{FF2B5EF4-FFF2-40B4-BE49-F238E27FC236}">
-                <a16:creationId xmlns:a16="http://schemas.microsoft.com/office/drawing/2014/main" id="{6108EA90-B605-4202-BDC6-FD162DA3A720}"/>
+                <a16:creationId xmlns:a16="http://schemas.microsoft.com/office/drawing/2014/main" id="{E24AEC9D-4590-4FD5-83B7-1AC5FE18CA45}"/>
               </a:ext>
             </a:extLst>
           </p:cNvPr>
@@ -1218,7 +1218,7 @@
           <p:cNvPr id="4" name="日付プレースホルダー 3">
             <a:extLst>
               <a:ext uri="{FF2B5EF4-FFF2-40B4-BE49-F238E27FC236}">
-                <a16:creationId xmlns:a16="http://schemas.microsoft.com/office/drawing/2014/main" id="{EC60B01B-C5A2-4509-B17E-F1BC0D60581F}"/>
+                <a16:creationId xmlns:a16="http://schemas.microsoft.com/office/drawing/2014/main" id="{59CA207D-B661-4872-8715-06E3384FE6FB}"/>
               </a:ext>
             </a:extLst>
           </p:cNvPr>
@@ -1236,7 +1236,7 @@
           <a:p>
             <a:fld id="{5D27F444-32D9-4190-AE51-29C77992DDE5}" type="datetimeFigureOut">
               <a:rPr kumimoji="1" lang="ja-JP" altLang="en-US" smtClean="0"/>
-              <a:t>2024/11/25</a:t>
+              <a:t>2024/12/2</a:t>
             </a:fld>
             <a:endParaRPr kumimoji="1" lang="ja-JP" altLang="en-US"/>
           </a:p>
@@ -1247,7 +1247,7 @@
           <p:cNvPr id="5" name="フッター プレースホルダー 4">
             <a:extLst>
               <a:ext uri="{FF2B5EF4-FFF2-40B4-BE49-F238E27FC236}">
-                <a16:creationId xmlns:a16="http://schemas.microsoft.com/office/drawing/2014/main" id="{33BBDC39-33E9-43C7-9618-52E50A8B32DE}"/>
+                <a16:creationId xmlns:a16="http://schemas.microsoft.com/office/drawing/2014/main" id="{7F9B0AD2-A293-4D59-B455-87D4B88403C3}"/>
               </a:ext>
             </a:extLst>
           </p:cNvPr>
@@ -1272,7 +1272,7 @@
           <p:cNvPr id="6" name="スライド番号プレースホルダー 5">
             <a:extLst>
               <a:ext uri="{FF2B5EF4-FFF2-40B4-BE49-F238E27FC236}">
-                <a16:creationId xmlns:a16="http://schemas.microsoft.com/office/drawing/2014/main" id="{DEA2E4DD-55A5-4114-BB5D-FD6DF0DD366C}"/>
+                <a16:creationId xmlns:a16="http://schemas.microsoft.com/office/drawing/2014/main" id="{46DE09E6-978D-4825-9F14-D415E8F66E90}"/>
               </a:ext>
             </a:extLst>
           </p:cNvPr>
@@ -1299,7 +1299,7 @@
     </p:spTree>
     <p:extLst>
       <p:ext uri="{BB962C8B-B14F-4D97-AF65-F5344CB8AC3E}">
-        <p14:creationId xmlns:p14="http://schemas.microsoft.com/office/powerpoint/2010/main" val="1988326663"/>
+        <p14:creationId xmlns:p14="http://schemas.microsoft.com/office/powerpoint/2010/main" val="680447764"/>
       </p:ext>
     </p:extLst>
   </p:cSld>
@@ -1331,7 +1331,7 @@
           <p:cNvPr id="2" name="タイトル 1">
             <a:extLst>
               <a:ext uri="{FF2B5EF4-FFF2-40B4-BE49-F238E27FC236}">
-                <a16:creationId xmlns:a16="http://schemas.microsoft.com/office/drawing/2014/main" id="{4885E69E-F641-4FE7-A9F7-72360B4558AA}"/>
+                <a16:creationId xmlns:a16="http://schemas.microsoft.com/office/drawing/2014/main" id="{C9A095B8-D175-44CE-8497-2515B6EDE9B8}"/>
               </a:ext>
             </a:extLst>
           </p:cNvPr>
@@ -1359,7 +1359,7 @@
           <p:cNvPr id="3" name="コンテンツ プレースホルダー 2">
             <a:extLst>
               <a:ext uri="{FF2B5EF4-FFF2-40B4-BE49-F238E27FC236}">
-                <a16:creationId xmlns:a16="http://schemas.microsoft.com/office/drawing/2014/main" id="{3E0D25CC-1B32-40E4-A032-50FA63979BC4}"/>
+                <a16:creationId xmlns:a16="http://schemas.microsoft.com/office/drawing/2014/main" id="{46CBD42D-31DA-45B8-8335-381F361063A1}"/>
               </a:ext>
             </a:extLst>
           </p:cNvPr>
@@ -1453,7 +1453,7 @@
           <p:cNvPr id="4" name="コンテンツ プレースホルダー 3">
             <a:extLst>
               <a:ext uri="{FF2B5EF4-FFF2-40B4-BE49-F238E27FC236}">
-                <a16:creationId xmlns:a16="http://schemas.microsoft.com/office/drawing/2014/main" id="{16C9E636-4401-4FE9-9A52-2C853BB20C10}"/>
+                <a16:creationId xmlns:a16="http://schemas.microsoft.com/office/drawing/2014/main" id="{F68E3CD9-F4C3-4E03-8454-5BDCF88452D2}"/>
               </a:ext>
             </a:extLst>
           </p:cNvPr>
@@ -1547,7 +1547,7 @@
           <p:cNvPr id="5" name="日付プレースホルダー 4">
             <a:extLst>
               <a:ext uri="{FF2B5EF4-FFF2-40B4-BE49-F238E27FC236}">
-                <a16:creationId xmlns:a16="http://schemas.microsoft.com/office/drawing/2014/main" id="{91DF474A-B2AA-4B03-BFE7-AC1392B1F788}"/>
+                <a16:creationId xmlns:a16="http://schemas.microsoft.com/office/drawing/2014/main" id="{2D027722-B17D-4180-BA71-0B4385A9BEEA}"/>
               </a:ext>
             </a:extLst>
           </p:cNvPr>
@@ -1565,7 +1565,7 @@
           <a:p>
             <a:fld id="{5D27F444-32D9-4190-AE51-29C77992DDE5}" type="datetimeFigureOut">
               <a:rPr kumimoji="1" lang="ja-JP" altLang="en-US" smtClean="0"/>
-              <a:t>2024/11/25</a:t>
+              <a:t>2024/12/2</a:t>
             </a:fld>
             <a:endParaRPr kumimoji="1" lang="ja-JP" altLang="en-US"/>
           </a:p>
@@ -1576,7 +1576,7 @@
           <p:cNvPr id="6" name="フッター プレースホルダー 5">
             <a:extLst>
               <a:ext uri="{FF2B5EF4-FFF2-40B4-BE49-F238E27FC236}">
-                <a16:creationId xmlns:a16="http://schemas.microsoft.com/office/drawing/2014/main" id="{ED6E12FB-EBD4-4127-807F-BBE717BC66DF}"/>
+                <a16:creationId xmlns:a16="http://schemas.microsoft.com/office/drawing/2014/main" id="{63DB544C-A74A-45DF-873F-10D146382E62}"/>
               </a:ext>
             </a:extLst>
           </p:cNvPr>
@@ -1601,7 +1601,7 @@
           <p:cNvPr id="7" name="スライド番号プレースホルダー 6">
             <a:extLst>
               <a:ext uri="{FF2B5EF4-FFF2-40B4-BE49-F238E27FC236}">
-                <a16:creationId xmlns:a16="http://schemas.microsoft.com/office/drawing/2014/main" id="{5BBFF3F0-AAE1-4840-9BB7-989D3F7B781C}"/>
+                <a16:creationId xmlns:a16="http://schemas.microsoft.com/office/drawing/2014/main" id="{CF26A68B-9EF8-4337-9FC2-CCD7DFEBD4BC}"/>
               </a:ext>
             </a:extLst>
           </p:cNvPr>
@@ -1628,7 +1628,7 @@
     </p:spTree>
     <p:extLst>
       <p:ext uri="{BB962C8B-B14F-4D97-AF65-F5344CB8AC3E}">
-        <p14:creationId xmlns:p14="http://schemas.microsoft.com/office/powerpoint/2010/main" val="935099048"/>
+        <p14:creationId xmlns:p14="http://schemas.microsoft.com/office/powerpoint/2010/main" val="1732112071"/>
       </p:ext>
     </p:extLst>
   </p:cSld>
@@ -1660,7 +1660,7 @@
           <p:cNvPr id="2" name="タイトル 1">
             <a:extLst>
               <a:ext uri="{FF2B5EF4-FFF2-40B4-BE49-F238E27FC236}">
-                <a16:creationId xmlns:a16="http://schemas.microsoft.com/office/drawing/2014/main" id="{B7B6A7C6-57C1-4321-BFD6-6B175237F41E}"/>
+                <a16:creationId xmlns:a16="http://schemas.microsoft.com/office/drawing/2014/main" id="{16F75F15-E6B9-4008-9520-98B92270D101}"/>
               </a:ext>
             </a:extLst>
           </p:cNvPr>
@@ -1693,7 +1693,7 @@
           <p:cNvPr id="3" name="テキスト プレースホルダー 2">
             <a:extLst>
               <a:ext uri="{FF2B5EF4-FFF2-40B4-BE49-F238E27FC236}">
-                <a16:creationId xmlns:a16="http://schemas.microsoft.com/office/drawing/2014/main" id="{57D2AB56-9361-4D2C-80D8-6A21EE23E2D7}"/>
+                <a16:creationId xmlns:a16="http://schemas.microsoft.com/office/drawing/2014/main" id="{B15C368C-76F4-41D6-8CAE-A84829F02493}"/>
               </a:ext>
             </a:extLst>
           </p:cNvPr>
@@ -1764,7 +1764,7 @@
           <p:cNvPr id="4" name="コンテンツ プレースホルダー 3">
             <a:extLst>
               <a:ext uri="{FF2B5EF4-FFF2-40B4-BE49-F238E27FC236}">
-                <a16:creationId xmlns:a16="http://schemas.microsoft.com/office/drawing/2014/main" id="{9900B0BE-A5B6-4966-85C9-B6B10E710236}"/>
+                <a16:creationId xmlns:a16="http://schemas.microsoft.com/office/drawing/2014/main" id="{21209A3C-9B0C-49E0-A1D9-2E84CFD6C8CB}"/>
               </a:ext>
             </a:extLst>
           </p:cNvPr>
@@ -1858,7 +1858,7 @@
           <p:cNvPr id="5" name="テキスト プレースホルダー 4">
             <a:extLst>
               <a:ext uri="{FF2B5EF4-FFF2-40B4-BE49-F238E27FC236}">
-                <a16:creationId xmlns:a16="http://schemas.microsoft.com/office/drawing/2014/main" id="{BBEC5473-F71C-4F61-A186-32866F3C4460}"/>
+                <a16:creationId xmlns:a16="http://schemas.microsoft.com/office/drawing/2014/main" id="{67CF2173-556D-4A1F-9105-C13D42490850}"/>
               </a:ext>
             </a:extLst>
           </p:cNvPr>
@@ -1929,7 +1929,7 @@
           <p:cNvPr id="6" name="コンテンツ プレースホルダー 5">
             <a:extLst>
               <a:ext uri="{FF2B5EF4-FFF2-40B4-BE49-F238E27FC236}">
-                <a16:creationId xmlns:a16="http://schemas.microsoft.com/office/drawing/2014/main" id="{37EFD0CC-7E82-4973-AEA1-B51F5507650F}"/>
+                <a16:creationId xmlns:a16="http://schemas.microsoft.com/office/drawing/2014/main" id="{A8D0846A-E635-41DD-94D5-08700767B744}"/>
               </a:ext>
             </a:extLst>
           </p:cNvPr>
@@ -2023,7 +2023,7 @@
           <p:cNvPr id="7" name="日付プレースホルダー 6">
             <a:extLst>
               <a:ext uri="{FF2B5EF4-FFF2-40B4-BE49-F238E27FC236}">
-                <a16:creationId xmlns:a16="http://schemas.microsoft.com/office/drawing/2014/main" id="{EC4222AF-333F-4420-AE49-AAA9800C5C58}"/>
+                <a16:creationId xmlns:a16="http://schemas.microsoft.com/office/drawing/2014/main" id="{B4BDE2B4-D156-4A6D-BDA3-1FA071C93C42}"/>
               </a:ext>
             </a:extLst>
           </p:cNvPr>
@@ -2041,7 +2041,7 @@
           <a:p>
             <a:fld id="{5D27F444-32D9-4190-AE51-29C77992DDE5}" type="datetimeFigureOut">
               <a:rPr kumimoji="1" lang="ja-JP" altLang="en-US" smtClean="0"/>
-              <a:t>2024/11/25</a:t>
+              <a:t>2024/12/2</a:t>
             </a:fld>
             <a:endParaRPr kumimoji="1" lang="ja-JP" altLang="en-US"/>
           </a:p>
@@ -2052,7 +2052,7 @@
           <p:cNvPr id="8" name="フッター プレースホルダー 7">
             <a:extLst>
               <a:ext uri="{FF2B5EF4-FFF2-40B4-BE49-F238E27FC236}">
-                <a16:creationId xmlns:a16="http://schemas.microsoft.com/office/drawing/2014/main" id="{47833FE1-936A-411F-B80C-551C94B4F481}"/>
+                <a16:creationId xmlns:a16="http://schemas.microsoft.com/office/drawing/2014/main" id="{A10D71CC-2899-440D-9D6E-D7744C9B7DC4}"/>
               </a:ext>
             </a:extLst>
           </p:cNvPr>
@@ -2077,7 +2077,7 @@
           <p:cNvPr id="9" name="スライド番号プレースホルダー 8">
             <a:extLst>
               <a:ext uri="{FF2B5EF4-FFF2-40B4-BE49-F238E27FC236}">
-                <a16:creationId xmlns:a16="http://schemas.microsoft.com/office/drawing/2014/main" id="{66D91275-AE6A-4A5E-B79F-D52B2D4B65E0}"/>
+                <a16:creationId xmlns:a16="http://schemas.microsoft.com/office/drawing/2014/main" id="{9E88F57E-3F0A-42B2-9E2C-319EEC012141}"/>
               </a:ext>
             </a:extLst>
           </p:cNvPr>
@@ -2104,7 +2104,7 @@
     </p:spTree>
     <p:extLst>
       <p:ext uri="{BB962C8B-B14F-4D97-AF65-F5344CB8AC3E}">
-        <p14:creationId xmlns:p14="http://schemas.microsoft.com/office/powerpoint/2010/main" val="3371946922"/>
+        <p14:creationId xmlns:p14="http://schemas.microsoft.com/office/powerpoint/2010/main" val="407537394"/>
       </p:ext>
     </p:extLst>
   </p:cSld>
@@ -2136,7 +2136,7 @@
           <p:cNvPr id="2" name="タイトル 1">
             <a:extLst>
               <a:ext uri="{FF2B5EF4-FFF2-40B4-BE49-F238E27FC236}">
-                <a16:creationId xmlns:a16="http://schemas.microsoft.com/office/drawing/2014/main" id="{36DFBE48-E404-4215-BD86-EE5DDD974669}"/>
+                <a16:creationId xmlns:a16="http://schemas.microsoft.com/office/drawing/2014/main" id="{A6557EAD-A8C9-491F-B946-AE06BD7802C0}"/>
               </a:ext>
             </a:extLst>
           </p:cNvPr>
@@ -2164,7 +2164,7 @@
           <p:cNvPr id="3" name="日付プレースホルダー 2">
             <a:extLst>
               <a:ext uri="{FF2B5EF4-FFF2-40B4-BE49-F238E27FC236}">
-                <a16:creationId xmlns:a16="http://schemas.microsoft.com/office/drawing/2014/main" id="{A4EEE0B3-4E9C-4203-A858-842B1412AD03}"/>
+                <a16:creationId xmlns:a16="http://schemas.microsoft.com/office/drawing/2014/main" id="{8A32563D-A04D-4B9A-95DF-2ADD06CFC10E}"/>
               </a:ext>
             </a:extLst>
           </p:cNvPr>
@@ -2182,7 +2182,7 @@
           <a:p>
             <a:fld id="{5D27F444-32D9-4190-AE51-29C77992DDE5}" type="datetimeFigureOut">
               <a:rPr kumimoji="1" lang="ja-JP" altLang="en-US" smtClean="0"/>
-              <a:t>2024/11/25</a:t>
+              <a:t>2024/12/2</a:t>
             </a:fld>
             <a:endParaRPr kumimoji="1" lang="ja-JP" altLang="en-US"/>
           </a:p>
@@ -2193,7 +2193,7 @@
           <p:cNvPr id="4" name="フッター プレースホルダー 3">
             <a:extLst>
               <a:ext uri="{FF2B5EF4-FFF2-40B4-BE49-F238E27FC236}">
-                <a16:creationId xmlns:a16="http://schemas.microsoft.com/office/drawing/2014/main" id="{3D26022A-D758-4C4E-8C79-2E64D9B18C2E}"/>
+                <a16:creationId xmlns:a16="http://schemas.microsoft.com/office/drawing/2014/main" id="{716AC888-F4EB-40CE-BBEE-051F7A1BEAE4}"/>
               </a:ext>
             </a:extLst>
           </p:cNvPr>
@@ -2218,7 +2218,7 @@
           <p:cNvPr id="5" name="スライド番号プレースホルダー 4">
             <a:extLst>
               <a:ext uri="{FF2B5EF4-FFF2-40B4-BE49-F238E27FC236}">
-                <a16:creationId xmlns:a16="http://schemas.microsoft.com/office/drawing/2014/main" id="{6B170935-2E11-4E62-BAD0-215A7142C9F0}"/>
+                <a16:creationId xmlns:a16="http://schemas.microsoft.com/office/drawing/2014/main" id="{C561AFB9-F19C-4998-AF48-E7D035FBEC2B}"/>
               </a:ext>
             </a:extLst>
           </p:cNvPr>
@@ -2245,7 +2245,7 @@
     </p:spTree>
     <p:extLst>
       <p:ext uri="{BB962C8B-B14F-4D97-AF65-F5344CB8AC3E}">
-        <p14:creationId xmlns:p14="http://schemas.microsoft.com/office/powerpoint/2010/main" val="4277023087"/>
+        <p14:creationId xmlns:p14="http://schemas.microsoft.com/office/powerpoint/2010/main" val="1957839096"/>
       </p:ext>
     </p:extLst>
   </p:cSld>
@@ -2277,7 +2277,7 @@
           <p:cNvPr id="2" name="日付プレースホルダー 1">
             <a:extLst>
               <a:ext uri="{FF2B5EF4-FFF2-40B4-BE49-F238E27FC236}">
-                <a16:creationId xmlns:a16="http://schemas.microsoft.com/office/drawing/2014/main" id="{72A2F14D-B282-4AC2-9102-B15D00B4F875}"/>
+                <a16:creationId xmlns:a16="http://schemas.microsoft.com/office/drawing/2014/main" id="{B9F9497C-E1F9-4E69-9454-EE104B98BF85}"/>
               </a:ext>
             </a:extLst>
           </p:cNvPr>
@@ -2295,7 +2295,7 @@
           <a:p>
             <a:fld id="{5D27F444-32D9-4190-AE51-29C77992DDE5}" type="datetimeFigureOut">
               <a:rPr kumimoji="1" lang="ja-JP" altLang="en-US" smtClean="0"/>
-              <a:t>2024/11/25</a:t>
+              <a:t>2024/12/2</a:t>
             </a:fld>
             <a:endParaRPr kumimoji="1" lang="ja-JP" altLang="en-US"/>
           </a:p>
@@ -2306,7 +2306,7 @@
           <p:cNvPr id="3" name="フッター プレースホルダー 2">
             <a:extLst>
               <a:ext uri="{FF2B5EF4-FFF2-40B4-BE49-F238E27FC236}">
-                <a16:creationId xmlns:a16="http://schemas.microsoft.com/office/drawing/2014/main" id="{BF9FAD5B-82B5-48F9-9621-D7EF7A9CBFF5}"/>
+                <a16:creationId xmlns:a16="http://schemas.microsoft.com/office/drawing/2014/main" id="{5F6BECA6-A9C4-448E-BACD-CB1A44951C4F}"/>
               </a:ext>
             </a:extLst>
           </p:cNvPr>
@@ -2331,7 +2331,7 @@
           <p:cNvPr id="4" name="スライド番号プレースホルダー 3">
             <a:extLst>
               <a:ext uri="{FF2B5EF4-FFF2-40B4-BE49-F238E27FC236}">
-                <a16:creationId xmlns:a16="http://schemas.microsoft.com/office/drawing/2014/main" id="{03E0D6F8-E02D-45FF-A02A-5EA7AF80EFC2}"/>
+                <a16:creationId xmlns:a16="http://schemas.microsoft.com/office/drawing/2014/main" id="{92F9ABB3-DC3E-4E60-8D90-4E0DEBAFE76C}"/>
               </a:ext>
             </a:extLst>
           </p:cNvPr>
@@ -2358,7 +2358,7 @@
     </p:spTree>
     <p:extLst>
       <p:ext uri="{BB962C8B-B14F-4D97-AF65-F5344CB8AC3E}">
-        <p14:creationId xmlns:p14="http://schemas.microsoft.com/office/powerpoint/2010/main" val="4156240623"/>
+        <p14:creationId xmlns:p14="http://schemas.microsoft.com/office/powerpoint/2010/main" val="3905266673"/>
       </p:ext>
     </p:extLst>
   </p:cSld>
@@ -2390,7 +2390,7 @@
           <p:cNvPr id="2" name="タイトル 1">
             <a:extLst>
               <a:ext uri="{FF2B5EF4-FFF2-40B4-BE49-F238E27FC236}">
-                <a16:creationId xmlns:a16="http://schemas.microsoft.com/office/drawing/2014/main" id="{92EFD08A-E42F-4398-8F28-86AE720B8D91}"/>
+                <a16:creationId xmlns:a16="http://schemas.microsoft.com/office/drawing/2014/main" id="{9388511E-9308-4B0F-87A4-F9DC6BFB627A}"/>
               </a:ext>
             </a:extLst>
           </p:cNvPr>
@@ -2427,7 +2427,7 @@
           <p:cNvPr id="3" name="コンテンツ プレースホルダー 2">
             <a:extLst>
               <a:ext uri="{FF2B5EF4-FFF2-40B4-BE49-F238E27FC236}">
-                <a16:creationId xmlns:a16="http://schemas.microsoft.com/office/drawing/2014/main" id="{5166A20E-2FF6-43A6-8861-C94CED7A08AB}"/>
+                <a16:creationId xmlns:a16="http://schemas.microsoft.com/office/drawing/2014/main" id="{95FFBE8C-18E9-49AB-9F24-3CB8773D44D4}"/>
               </a:ext>
             </a:extLst>
           </p:cNvPr>
@@ -2549,7 +2549,7 @@
           <p:cNvPr id="4" name="テキスト プレースホルダー 3">
             <a:extLst>
               <a:ext uri="{FF2B5EF4-FFF2-40B4-BE49-F238E27FC236}">
-                <a16:creationId xmlns:a16="http://schemas.microsoft.com/office/drawing/2014/main" id="{D5E0D805-7291-4433-A458-263A5D71A1B1}"/>
+                <a16:creationId xmlns:a16="http://schemas.microsoft.com/office/drawing/2014/main" id="{2896FCB6-830B-45B4-865B-C89653ACDE3D}"/>
               </a:ext>
             </a:extLst>
           </p:cNvPr>
@@ -2620,7 +2620,7 @@
           <p:cNvPr id="5" name="日付プレースホルダー 4">
             <a:extLst>
               <a:ext uri="{FF2B5EF4-FFF2-40B4-BE49-F238E27FC236}">
-                <a16:creationId xmlns:a16="http://schemas.microsoft.com/office/drawing/2014/main" id="{2DF67844-4CBE-4D21-9B65-6CB57A99849B}"/>
+                <a16:creationId xmlns:a16="http://schemas.microsoft.com/office/drawing/2014/main" id="{8D811F1E-5A98-41B1-9ADF-D2AE4722A8C4}"/>
               </a:ext>
             </a:extLst>
           </p:cNvPr>
@@ -2638,7 +2638,7 @@
           <a:p>
             <a:fld id="{5D27F444-32D9-4190-AE51-29C77992DDE5}" type="datetimeFigureOut">
               <a:rPr kumimoji="1" lang="ja-JP" altLang="en-US" smtClean="0"/>
-              <a:t>2024/11/25</a:t>
+              <a:t>2024/12/2</a:t>
             </a:fld>
             <a:endParaRPr kumimoji="1" lang="ja-JP" altLang="en-US"/>
           </a:p>
@@ -2649,7 +2649,7 @@
           <p:cNvPr id="6" name="フッター プレースホルダー 5">
             <a:extLst>
               <a:ext uri="{FF2B5EF4-FFF2-40B4-BE49-F238E27FC236}">
-                <a16:creationId xmlns:a16="http://schemas.microsoft.com/office/drawing/2014/main" id="{3BB684DF-7A7F-4AD6-B51D-BAA6101348E1}"/>
+                <a16:creationId xmlns:a16="http://schemas.microsoft.com/office/drawing/2014/main" id="{69B8636E-313D-4E89-AC8A-426784F80DA1}"/>
               </a:ext>
             </a:extLst>
           </p:cNvPr>
@@ -2674,7 +2674,7 @@
           <p:cNvPr id="7" name="スライド番号プレースホルダー 6">
             <a:extLst>
               <a:ext uri="{FF2B5EF4-FFF2-40B4-BE49-F238E27FC236}">
-                <a16:creationId xmlns:a16="http://schemas.microsoft.com/office/drawing/2014/main" id="{5EA90C76-74EE-43C0-9B1F-D11A75918665}"/>
+                <a16:creationId xmlns:a16="http://schemas.microsoft.com/office/drawing/2014/main" id="{0A8E5B4A-91D4-4769-93ED-D88404CD7EBE}"/>
               </a:ext>
             </a:extLst>
           </p:cNvPr>
@@ -2701,7 +2701,7 @@
     </p:spTree>
     <p:extLst>
       <p:ext uri="{BB962C8B-B14F-4D97-AF65-F5344CB8AC3E}">
-        <p14:creationId xmlns:p14="http://schemas.microsoft.com/office/powerpoint/2010/main" val="1732893114"/>
+        <p14:creationId xmlns:p14="http://schemas.microsoft.com/office/powerpoint/2010/main" val="3694986822"/>
       </p:ext>
     </p:extLst>
   </p:cSld>
@@ -2733,7 +2733,7 @@
           <p:cNvPr id="2" name="タイトル 1">
             <a:extLst>
               <a:ext uri="{FF2B5EF4-FFF2-40B4-BE49-F238E27FC236}">
-                <a16:creationId xmlns:a16="http://schemas.microsoft.com/office/drawing/2014/main" id="{7C9E9CD0-A74C-41F8-9811-933F22FF83F7}"/>
+                <a16:creationId xmlns:a16="http://schemas.microsoft.com/office/drawing/2014/main" id="{30554B8A-2C81-4556-AFF2-BF8461352AAD}"/>
               </a:ext>
             </a:extLst>
           </p:cNvPr>
@@ -2770,7 +2770,7 @@
           <p:cNvPr id="3" name="図プレースホルダー 2">
             <a:extLst>
               <a:ext uri="{FF2B5EF4-FFF2-40B4-BE49-F238E27FC236}">
-                <a16:creationId xmlns:a16="http://schemas.microsoft.com/office/drawing/2014/main" id="{8603600E-6EB2-476A-B4E0-AB705C4EC858}"/>
+                <a16:creationId xmlns:a16="http://schemas.microsoft.com/office/drawing/2014/main" id="{558DFAE8-0393-4B46-9C9E-09AFCF68A35F}"/>
               </a:ext>
             </a:extLst>
           </p:cNvPr>
@@ -2837,7 +2837,7 @@
           <p:cNvPr id="4" name="テキスト プレースホルダー 3">
             <a:extLst>
               <a:ext uri="{FF2B5EF4-FFF2-40B4-BE49-F238E27FC236}">
-                <a16:creationId xmlns:a16="http://schemas.microsoft.com/office/drawing/2014/main" id="{026ED8F3-3B9B-4E2B-BF3D-311B6FA00BE8}"/>
+                <a16:creationId xmlns:a16="http://schemas.microsoft.com/office/drawing/2014/main" id="{26E2476B-3CBC-4D63-9E07-30E922EEA058}"/>
               </a:ext>
             </a:extLst>
           </p:cNvPr>
@@ -2908,7 +2908,7 @@
           <p:cNvPr id="5" name="日付プレースホルダー 4">
             <a:extLst>
               <a:ext uri="{FF2B5EF4-FFF2-40B4-BE49-F238E27FC236}">
-                <a16:creationId xmlns:a16="http://schemas.microsoft.com/office/drawing/2014/main" id="{4E44701F-5D2D-44A6-88F5-D3027741E154}"/>
+                <a16:creationId xmlns:a16="http://schemas.microsoft.com/office/drawing/2014/main" id="{CE1FE038-1C87-48E2-9262-09CAA24D02BF}"/>
               </a:ext>
             </a:extLst>
           </p:cNvPr>
@@ -2926,7 +2926,7 @@
           <a:p>
             <a:fld id="{5D27F444-32D9-4190-AE51-29C77992DDE5}" type="datetimeFigureOut">
               <a:rPr kumimoji="1" lang="ja-JP" altLang="en-US" smtClean="0"/>
-              <a:t>2024/11/25</a:t>
+              <a:t>2024/12/2</a:t>
             </a:fld>
             <a:endParaRPr kumimoji="1" lang="ja-JP" altLang="en-US"/>
           </a:p>
@@ -2937,7 +2937,7 @@
           <p:cNvPr id="6" name="フッター プレースホルダー 5">
             <a:extLst>
               <a:ext uri="{FF2B5EF4-FFF2-40B4-BE49-F238E27FC236}">
-                <a16:creationId xmlns:a16="http://schemas.microsoft.com/office/drawing/2014/main" id="{8D518E75-342E-47B1-8955-E7533E0D2FB2}"/>
+                <a16:creationId xmlns:a16="http://schemas.microsoft.com/office/drawing/2014/main" id="{68815F0C-7D9D-4044-B10D-7A85499A5D74}"/>
               </a:ext>
             </a:extLst>
           </p:cNvPr>
@@ -2962,7 +2962,7 @@
           <p:cNvPr id="7" name="スライド番号プレースホルダー 6">
             <a:extLst>
               <a:ext uri="{FF2B5EF4-FFF2-40B4-BE49-F238E27FC236}">
-                <a16:creationId xmlns:a16="http://schemas.microsoft.com/office/drawing/2014/main" id="{C0AEE1C7-18A1-4244-9D0F-2D72C13FAFE7}"/>
+                <a16:creationId xmlns:a16="http://schemas.microsoft.com/office/drawing/2014/main" id="{72253F28-55EA-4090-B2BA-E216749334A3}"/>
               </a:ext>
             </a:extLst>
           </p:cNvPr>
@@ -2989,7 +2989,7 @@
     </p:spTree>
     <p:extLst>
       <p:ext uri="{BB962C8B-B14F-4D97-AF65-F5344CB8AC3E}">
-        <p14:creationId xmlns:p14="http://schemas.microsoft.com/office/powerpoint/2010/main" val="1427308235"/>
+        <p14:creationId xmlns:p14="http://schemas.microsoft.com/office/powerpoint/2010/main" val="318479581"/>
       </p:ext>
     </p:extLst>
   </p:cSld>
@@ -3026,7 +3026,7 @@
           <p:cNvPr id="2" name="タイトル プレースホルダー 1">
             <a:extLst>
               <a:ext uri="{FF2B5EF4-FFF2-40B4-BE49-F238E27FC236}">
-                <a16:creationId xmlns:a16="http://schemas.microsoft.com/office/drawing/2014/main" id="{AD162F37-D845-48A0-B003-6DF8304DBC30}"/>
+                <a16:creationId xmlns:a16="http://schemas.microsoft.com/office/drawing/2014/main" id="{811F9E63-7FB2-4DC0-92F1-EEE17186E9CF}"/>
               </a:ext>
             </a:extLst>
           </p:cNvPr>
@@ -3064,7 +3064,7 @@
           <p:cNvPr id="3" name="テキスト プレースホルダー 2">
             <a:extLst>
               <a:ext uri="{FF2B5EF4-FFF2-40B4-BE49-F238E27FC236}">
-                <a16:creationId xmlns:a16="http://schemas.microsoft.com/office/drawing/2014/main" id="{0401C181-CEC7-44ED-B93E-B29122C54BF5}"/>
+                <a16:creationId xmlns:a16="http://schemas.microsoft.com/office/drawing/2014/main" id="{B7513258-DCB5-4992-82A7-9FD1A947C48A}"/>
               </a:ext>
             </a:extLst>
           </p:cNvPr>
@@ -3163,7 +3163,7 @@
           <p:cNvPr id="4" name="日付プレースホルダー 3">
             <a:extLst>
               <a:ext uri="{FF2B5EF4-FFF2-40B4-BE49-F238E27FC236}">
-                <a16:creationId xmlns:a16="http://schemas.microsoft.com/office/drawing/2014/main" id="{1F837F44-34B5-4387-8F92-B1D36A2F0D19}"/>
+                <a16:creationId xmlns:a16="http://schemas.microsoft.com/office/drawing/2014/main" id="{B4B3E9D0-BAC2-4661-818C-8483E3DFF429}"/>
               </a:ext>
             </a:extLst>
           </p:cNvPr>
@@ -3199,7 +3199,7 @@
           <a:p>
             <a:fld id="{5D27F444-32D9-4190-AE51-29C77992DDE5}" type="datetimeFigureOut">
               <a:rPr kumimoji="1" lang="ja-JP" altLang="en-US" smtClean="0"/>
-              <a:t>2024/11/25</a:t>
+              <a:t>2024/12/2</a:t>
             </a:fld>
             <a:endParaRPr kumimoji="1" lang="ja-JP" altLang="en-US"/>
           </a:p>
@@ -3210,7 +3210,7 @@
           <p:cNvPr id="5" name="フッター プレースホルダー 4">
             <a:extLst>
               <a:ext uri="{FF2B5EF4-FFF2-40B4-BE49-F238E27FC236}">
-                <a16:creationId xmlns:a16="http://schemas.microsoft.com/office/drawing/2014/main" id="{5EEA907B-98DA-41C5-BA5A-50E500450B62}"/>
+                <a16:creationId xmlns:a16="http://schemas.microsoft.com/office/drawing/2014/main" id="{9F685BAD-C5FE-4B69-B0D5-4FE355CCA7F1}"/>
               </a:ext>
             </a:extLst>
           </p:cNvPr>
@@ -3253,7 +3253,7 @@
           <p:cNvPr id="6" name="スライド番号プレースホルダー 5">
             <a:extLst>
               <a:ext uri="{FF2B5EF4-FFF2-40B4-BE49-F238E27FC236}">
-                <a16:creationId xmlns:a16="http://schemas.microsoft.com/office/drawing/2014/main" id="{394AEAAD-ECB3-4E2C-86D5-4B7FCC787C21}"/>
+                <a16:creationId xmlns:a16="http://schemas.microsoft.com/office/drawing/2014/main" id="{19B735E6-F3E1-4270-AB85-67515ECDE640}"/>
               </a:ext>
             </a:extLst>
           </p:cNvPr>
@@ -3298,23 +3298,23 @@
     </p:spTree>
     <p:extLst>
       <p:ext uri="{BB962C8B-B14F-4D97-AF65-F5344CB8AC3E}">
-        <p14:creationId xmlns:p14="http://schemas.microsoft.com/office/powerpoint/2010/main" val="4099545465"/>
+        <p14:creationId xmlns:p14="http://schemas.microsoft.com/office/powerpoint/2010/main" val="784659152"/>
       </p:ext>
     </p:extLst>
   </p:cSld>
   <p:clrMap bg1="lt1" tx1="dk1" bg2="lt2" tx2="dk2" accent1="accent1" accent2="accent2" accent3="accent3" accent4="accent4" accent5="accent5" accent6="accent6" hlink="hlink" folHlink="folHlink"/>
   <p:sldLayoutIdLst>
-    <p:sldLayoutId id="2147483649" r:id="rId1"/>
-    <p:sldLayoutId id="2147483650" r:id="rId2"/>
-    <p:sldLayoutId id="2147483651" r:id="rId3"/>
-    <p:sldLayoutId id="2147483652" r:id="rId4"/>
-    <p:sldLayoutId id="2147483653" r:id="rId5"/>
-    <p:sldLayoutId id="2147483654" r:id="rId6"/>
-    <p:sldLayoutId id="2147483655" r:id="rId7"/>
-    <p:sldLayoutId id="2147483656" r:id="rId8"/>
-    <p:sldLayoutId id="2147483657" r:id="rId9"/>
-    <p:sldLayoutId id="2147483658" r:id="rId10"/>
-    <p:sldLayoutId id="2147483659" r:id="rId11"/>
+    <p:sldLayoutId id="2147483678" r:id="rId1"/>
+    <p:sldLayoutId id="2147483679" r:id="rId2"/>
+    <p:sldLayoutId id="2147483680" r:id="rId3"/>
+    <p:sldLayoutId id="2147483681" r:id="rId4"/>
+    <p:sldLayoutId id="2147483682" r:id="rId5"/>
+    <p:sldLayoutId id="2147483683" r:id="rId6"/>
+    <p:sldLayoutId id="2147483684" r:id="rId7"/>
+    <p:sldLayoutId id="2147483685" r:id="rId8"/>
+    <p:sldLayoutId id="2147483686" r:id="rId9"/>
+    <p:sldLayoutId id="2147483687" r:id="rId10"/>
+    <p:sldLayoutId id="2147483688" r:id="rId11"/>
   </p:sldLayoutIdLst>
   <p:txStyles>
     <p:titleStyle>
@@ -3646,10 +3646,10 @@
           <a:p>
             <a:pPr algn="ctr"/>
             <a:r>
-              <a:rPr kumimoji="1" lang="en-US" altLang="ja-JP" sz="5400" dirty="0"/>
+              <a:rPr kumimoji="1" lang="en-US" altLang="ja-JP" sz="5400" b="1" dirty="0"/>
               <a:t>Grapple King</a:t>
             </a:r>
-            <a:endParaRPr kumimoji="1" lang="ja-JP" altLang="en-US" sz="5400" dirty="0"/>
+            <a:endParaRPr kumimoji="1" lang="ja-JP" altLang="en-US" sz="5400" b="1" dirty="0"/>
           </a:p>
         </p:txBody>
       </p:sp>
@@ -3773,8 +3773,8 @@
         </p:nvSpPr>
         <p:spPr>
           <a:xfrm>
-            <a:off x="5436291" y="619773"/>
-            <a:ext cx="5673213" cy="3156043"/>
+            <a:off x="589935" y="651084"/>
+            <a:ext cx="6244421" cy="663053"/>
           </a:xfrm>
           <a:prstGeom prst="rect">
             <a:avLst/>
@@ -3788,69 +3788,18 @@
           <a:lstStyle/>
           <a:p>
             <a:r>
-              <a:rPr kumimoji="1" lang="ja-JP" altLang="en-US" dirty="0"/>
+              <a:rPr kumimoji="1" lang="ja-JP" altLang="en-US" sz="2800" dirty="0"/>
               <a:t>参考元の作品</a:t>
             </a:r>
             <a:r>
-              <a:rPr lang="ja-JP" altLang="en-US" dirty="0"/>
+              <a:rPr lang="ja-JP" altLang="en-US" sz="2800" dirty="0"/>
               <a:t>：</a:t>
             </a:r>
             <a:r>
-              <a:rPr lang="en-US" altLang="ja-JP" b="1" dirty="0"/>
+              <a:rPr lang="en-US" altLang="ja-JP" sz="3600" b="1" dirty="0"/>
               <a:t>Grapple Grip</a:t>
             </a:r>
-          </a:p>
-          <a:p>
-            <a:endParaRPr lang="en-US" altLang="ja-JP" b="1" dirty="0"/>
-          </a:p>
-          <a:p>
-            <a:r>
-              <a:rPr kumimoji="1" lang="ja-JP" altLang="en-US" dirty="0"/>
-              <a:t>ステージ</a:t>
-            </a:r>
-            <a:r>
-              <a:rPr kumimoji="1" lang="en-US" altLang="ja-JP" dirty="0"/>
-              <a:t>1</a:t>
-            </a:r>
-            <a:r>
-              <a:rPr kumimoji="1" lang="ja-JP" altLang="en-US" dirty="0"/>
-              <a:t>から</a:t>
-            </a:r>
-            <a:r>
-              <a:rPr kumimoji="1" lang="en-US" altLang="ja-JP" dirty="0"/>
-              <a:t>3</a:t>
-            </a:r>
-            <a:r>
-              <a:rPr kumimoji="1" lang="ja-JP" altLang="en-US" dirty="0"/>
-              <a:t>を作る</a:t>
-            </a:r>
-            <a:endParaRPr kumimoji="1" lang="en-US" altLang="ja-JP" dirty="0"/>
-          </a:p>
-          <a:p>
-            <a:endParaRPr lang="en-US" altLang="ja-JP" dirty="0"/>
-          </a:p>
-          <a:p>
-            <a:r>
-              <a:rPr kumimoji="1" lang="ja-JP" altLang="en-US" dirty="0"/>
-              <a:t>クリア条件：真上に伸ばせる糸を利用して壁を越えたりして上部にある穴へ糸を伸ばして画面外に行くとゴール</a:t>
-            </a:r>
-            <a:endParaRPr kumimoji="1" lang="en-US" altLang="ja-JP" dirty="0"/>
-          </a:p>
-          <a:p>
-            <a:endParaRPr kumimoji="1" lang="ja-JP" altLang="en-US" dirty="0"/>
-          </a:p>
-          <a:p>
-            <a:r>
-              <a:rPr kumimoji="1" lang="ja-JP" altLang="en-US" dirty="0"/>
-              <a:t>ゲームオーバーなし</a:t>
-            </a:r>
-            <a:endParaRPr kumimoji="1" lang="en-US" altLang="ja-JP" dirty="0"/>
-          </a:p>
-          <a:p>
-            <a:endParaRPr lang="en-US" altLang="ja-JP" dirty="0"/>
-          </a:p>
-          <a:p>
-            <a:endParaRPr lang="en-US" altLang="ja-JP" dirty="0"/>
+            <a:endParaRPr lang="en-US" altLang="ja-JP" sz="2800" dirty="0"/>
           </a:p>
         </p:txBody>
       </p:sp>
@@ -3882,7 +3831,7 @@
         </p:blipFill>
         <p:spPr>
           <a:xfrm>
-            <a:off x="669541" y="619773"/>
+            <a:off x="7177548" y="1022823"/>
             <a:ext cx="4424517" cy="2461918"/>
           </a:xfrm>
           <a:prstGeom prst="rect">
@@ -3918,7 +3867,7 @@
         </p:blipFill>
         <p:spPr>
           <a:xfrm>
-            <a:off x="669541" y="3518822"/>
+            <a:off x="7198161" y="4010436"/>
             <a:ext cx="4424516" cy="2451890"/>
           </a:xfrm>
           <a:prstGeom prst="rect">
@@ -3940,8 +3889,8 @@
         </p:nvSpPr>
         <p:spPr>
           <a:xfrm>
-            <a:off x="5436291" y="4006102"/>
-            <a:ext cx="2144380" cy="646331"/>
+            <a:off x="596955" y="4425628"/>
+            <a:ext cx="6413444" cy="1569660"/>
           </a:xfrm>
           <a:prstGeom prst="rect">
             <a:avLst/>
@@ -3955,26 +3904,33 @@
           <a:lstStyle/>
           <a:p>
             <a:r>
-              <a:rPr lang="ja-JP" altLang="en-US" dirty="0"/>
+              <a:rPr lang="ja-JP" altLang="en-US" sz="3200" dirty="0"/>
+              <a:t>アピールポイント</a:t>
+            </a:r>
+            <a:endParaRPr lang="en-US" altLang="ja-JP" sz="3200" dirty="0"/>
+          </a:p>
+          <a:p>
+            <a:r>
+              <a:rPr lang="ja-JP" altLang="en-US" sz="3200" dirty="0"/>
               <a:t>・画面遷移</a:t>
             </a:r>
-            <a:endParaRPr kumimoji="1" lang="ja-JP" altLang="en-US" dirty="0"/>
-          </a:p>
-          <a:p>
-            <a:r>
-              <a:rPr lang="ja-JP" altLang="en-US" dirty="0"/>
+            <a:endParaRPr kumimoji="1" lang="ja-JP" altLang="en-US" sz="3200" dirty="0"/>
+          </a:p>
+          <a:p>
+            <a:r>
+              <a:rPr lang="ja-JP" altLang="en-US" sz="3200" dirty="0"/>
               <a:t>・当たり判定</a:t>
             </a:r>
-            <a:endParaRPr kumimoji="1" lang="ja-JP" altLang="en-US" dirty="0"/>
-          </a:p>
-        </p:txBody>
-      </p:sp>
-      <p:sp>
-        <p:nvSpPr>
-          <p:cNvPr id="6" name="テキスト ボックス 5">
-            <a:extLst>
-              <a:ext uri="{FF2B5EF4-FFF2-40B4-BE49-F238E27FC236}">
-                <a16:creationId xmlns:a16="http://schemas.microsoft.com/office/drawing/2014/main" id="{97F959B4-B399-42C2-AA42-E4EA41381965}"/>
+            <a:endParaRPr kumimoji="1" lang="ja-JP" altLang="en-US" sz="2000" dirty="0"/>
+          </a:p>
+        </p:txBody>
+      </p:sp>
+      <p:sp>
+        <p:nvSpPr>
+          <p:cNvPr id="4" name="テキスト ボックス 3">
+            <a:extLst>
+              <a:ext uri="{FF2B5EF4-FFF2-40B4-BE49-F238E27FC236}">
+                <a16:creationId xmlns:a16="http://schemas.microsoft.com/office/drawing/2014/main" id="{168EAD7E-288F-4112-8A6B-BD1620245903}"/>
               </a:ext>
             </a:extLst>
           </p:cNvPr>
@@ -3983,8 +3939,8 @@
         </p:nvSpPr>
         <p:spPr>
           <a:xfrm>
-            <a:off x="8389367" y="3867603"/>
-            <a:ext cx="3171472" cy="1477328"/>
+            <a:off x="8417361" y="217887"/>
+            <a:ext cx="3558330" cy="369332"/>
           </a:xfrm>
           <a:prstGeom prst="rect">
             <a:avLst/>
@@ -3999,63 +3955,178 @@
           <a:p>
             <a:r>
               <a:rPr kumimoji="1" lang="ja-JP" altLang="en-US" dirty="0"/>
-              <a:t>制作期間の目安</a:t>
+              <a:t>参考元画像</a:t>
             </a:r>
             <a:endParaRPr kumimoji="1" lang="en-US" altLang="ja-JP" dirty="0"/>
           </a:p>
-          <a:p>
-            <a:r>
-              <a:rPr lang="ja-JP" altLang="en-US" dirty="0"/>
-              <a:t>プロト完成</a:t>
-            </a:r>
-            <a:r>
-              <a:rPr lang="en-US" altLang="ja-JP" dirty="0"/>
-              <a:t>	12/10</a:t>
-            </a:r>
-          </a:p>
-          <a:p>
-            <a:r>
-              <a:rPr lang="en-US" altLang="ja-JP" dirty="0"/>
-              <a:t>α</a:t>
-            </a:r>
-            <a:r>
-              <a:rPr lang="ja-JP" altLang="en-US" dirty="0"/>
-              <a:t>完成　　　</a:t>
-            </a:r>
-            <a:r>
-              <a:rPr lang="en-US" altLang="ja-JP" dirty="0"/>
-              <a:t>	1/1</a:t>
-            </a:r>
-            <a:r>
-              <a:rPr lang="ja-JP" altLang="en-US" dirty="0"/>
-              <a:t>　</a:t>
-            </a:r>
-            <a:endParaRPr lang="en-US" altLang="ja-JP" dirty="0"/>
-          </a:p>
-          <a:p>
+        </p:txBody>
+      </p:sp>
+      <p:sp>
+        <p:nvSpPr>
+          <p:cNvPr id="5" name="テキスト ボックス 4">
+            <a:extLst>
+              <a:ext uri="{FF2B5EF4-FFF2-40B4-BE49-F238E27FC236}">
+                <a16:creationId xmlns:a16="http://schemas.microsoft.com/office/drawing/2014/main" id="{E1885B8F-1398-4305-A77B-CB8A2D9CBEF0}"/>
+              </a:ext>
+            </a:extLst>
+          </p:cNvPr>
+          <p:cNvSpPr txBox="1"/>
+          <p:nvPr/>
+        </p:nvSpPr>
+        <p:spPr>
+          <a:xfrm>
+            <a:off x="7177547" y="705612"/>
+            <a:ext cx="4916129" cy="369332"/>
+          </a:xfrm>
+          <a:prstGeom prst="rect">
+            <a:avLst/>
+          </a:prstGeom>
+          <a:noFill/>
+        </p:spPr>
+        <p:txBody>
+          <a:bodyPr wrap="square" rtlCol="0">
+            <a:spAutoFit/>
+          </a:bodyPr>
+          <a:lstStyle/>
+          <a:p>
+            <a:r>
+              <a:rPr kumimoji="1" lang="ja-JP" altLang="en-US" dirty="0"/>
+              <a:t>ゲームプレイシーン</a:t>
+            </a:r>
             <a:r>
               <a:rPr kumimoji="1" lang="en-US" altLang="ja-JP" dirty="0"/>
-              <a:t>β</a:t>
+              <a:t>(</a:t>
             </a:r>
             <a:r>
               <a:rPr kumimoji="1" lang="ja-JP" altLang="en-US" dirty="0"/>
-              <a:t>完成　　　</a:t>
+              <a:t>ステージ</a:t>
             </a:r>
             <a:r>
               <a:rPr kumimoji="1" lang="en-US" altLang="ja-JP" dirty="0"/>
-              <a:t>	1/15</a:t>
-            </a:r>
-          </a:p>
+              <a:t>1)</a:t>
+            </a:r>
+            <a:endParaRPr kumimoji="1" lang="ja-JP" altLang="en-US" dirty="0"/>
+          </a:p>
+        </p:txBody>
+      </p:sp>
+      <p:sp>
+        <p:nvSpPr>
+          <p:cNvPr id="9" name="テキスト ボックス 8">
+            <a:extLst>
+              <a:ext uri="{FF2B5EF4-FFF2-40B4-BE49-F238E27FC236}">
+                <a16:creationId xmlns:a16="http://schemas.microsoft.com/office/drawing/2014/main" id="{6A2B1216-3892-4C81-965A-9D83991BF615}"/>
+              </a:ext>
+            </a:extLst>
+          </p:cNvPr>
+          <p:cNvSpPr txBox="1"/>
+          <p:nvPr/>
+        </p:nvSpPr>
+        <p:spPr>
+          <a:xfrm>
+            <a:off x="7177548" y="3721528"/>
+            <a:ext cx="3352800" cy="369332"/>
+          </a:xfrm>
+          <a:prstGeom prst="rect">
+            <a:avLst/>
+          </a:prstGeom>
+          <a:noFill/>
+        </p:spPr>
+        <p:txBody>
+          <a:bodyPr wrap="square" rtlCol="0">
+            <a:spAutoFit/>
+          </a:bodyPr>
+          <a:lstStyle/>
           <a:p>
             <a:r>
               <a:rPr kumimoji="1" lang="ja-JP" altLang="en-US" dirty="0"/>
-              <a:t>マスター完成</a:t>
-            </a:r>
-            <a:r>
-              <a:rPr kumimoji="1" lang="en-US" altLang="ja-JP" dirty="0"/>
-              <a:t>	1/31</a:t>
-            </a:r>
-            <a:endParaRPr kumimoji="1" lang="ja-JP" altLang="en-US" dirty="0"/>
+              <a:t>ステージ選択シーン</a:t>
+            </a:r>
+          </a:p>
+        </p:txBody>
+      </p:sp>
+      <p:sp>
+        <p:nvSpPr>
+          <p:cNvPr id="7" name="テキスト ボックス 6">
+            <a:extLst>
+              <a:ext uri="{FF2B5EF4-FFF2-40B4-BE49-F238E27FC236}">
+                <a16:creationId xmlns:a16="http://schemas.microsoft.com/office/drawing/2014/main" id="{F36BF34B-B756-431C-B1F8-FE59EC1F534B}"/>
+              </a:ext>
+            </a:extLst>
+          </p:cNvPr>
+          <p:cNvSpPr txBox="1"/>
+          <p:nvPr/>
+        </p:nvSpPr>
+        <p:spPr>
+          <a:xfrm>
+            <a:off x="592116" y="1746498"/>
+            <a:ext cx="6418283" cy="2246769"/>
+          </a:xfrm>
+          <a:prstGeom prst="rect">
+            <a:avLst/>
+          </a:prstGeom>
+          <a:noFill/>
+        </p:spPr>
+        <p:txBody>
+          <a:bodyPr wrap="square" rtlCol="0">
+            <a:spAutoFit/>
+          </a:bodyPr>
+          <a:lstStyle/>
+          <a:p>
+            <a:r>
+              <a:rPr lang="ja-JP" altLang="en-US" sz="2000" dirty="0"/>
+              <a:t>参考元の作品より、</a:t>
+            </a:r>
+            <a:r>
+              <a:rPr lang="en-US" altLang="ja-JP" sz="2000" b="1" dirty="0"/>
+              <a:t>20</a:t>
+            </a:r>
+            <a:r>
+              <a:rPr lang="ja-JP" altLang="en-US" sz="2000" b="1" dirty="0"/>
+              <a:t>ステージ</a:t>
+            </a:r>
+            <a:r>
+              <a:rPr lang="ja-JP" altLang="en-US" sz="2000" dirty="0"/>
+              <a:t>作る</a:t>
+            </a:r>
+            <a:endParaRPr lang="en-US" altLang="ja-JP" sz="2000" dirty="0"/>
+          </a:p>
+          <a:p>
+            <a:endParaRPr lang="en-US" altLang="ja-JP" sz="2000" dirty="0"/>
+          </a:p>
+          <a:p>
+            <a:r>
+              <a:rPr kumimoji="1" lang="ja-JP" altLang="en-US" sz="2000" dirty="0"/>
+              <a:t>クリア条件：真上に伸ばせる糸を利用し</a:t>
+            </a:r>
+            <a:r>
+              <a:rPr lang="ja-JP" altLang="en-US" sz="2000" dirty="0"/>
+              <a:t>て</a:t>
+            </a:r>
+            <a:r>
+              <a:rPr kumimoji="1" lang="ja-JP" altLang="en-US" sz="2000" dirty="0"/>
+              <a:t>壁を越えて</a:t>
+            </a:r>
+            <a:endParaRPr kumimoji="1" lang="en-US" altLang="ja-JP" sz="2000" dirty="0"/>
+          </a:p>
+          <a:p>
+            <a:r>
+              <a:rPr kumimoji="1" lang="ja-JP" altLang="en-US" sz="2000" dirty="0"/>
+              <a:t>上部にある穴へ糸を伸ばして画面外に行くとゴール</a:t>
+            </a:r>
+            <a:endParaRPr kumimoji="1" lang="en-US" altLang="ja-JP" sz="2000" dirty="0"/>
+          </a:p>
+          <a:p>
+            <a:endParaRPr kumimoji="1" lang="ja-JP" altLang="en-US" sz="2000" dirty="0"/>
+          </a:p>
+          <a:p>
+            <a:r>
+              <a:rPr kumimoji="1" lang="ja-JP" altLang="en-US" sz="2000" dirty="0"/>
+              <a:t>ゲームオーバーなし</a:t>
+            </a:r>
+            <a:endParaRPr kumimoji="1" lang="en-US" altLang="ja-JP" sz="2000" dirty="0"/>
+          </a:p>
+          <a:p>
+            <a:endParaRPr kumimoji="1" lang="ja-JP" altLang="en-US" sz="2000" dirty="0"/>
           </a:p>
         </p:txBody>
       </p:sp>
@@ -4089,189 +4160,684 @@
           <a:chExt cx="0" cy="0"/>
         </a:xfrm>
       </p:grpSpPr>
-      <p:pic>
-        <p:nvPicPr>
-          <p:cNvPr id="2" name="GrappleGrip">
-            <a:hlinkClick r:id="" action="ppaction://media"/>
-            <a:extLst>
-              <a:ext uri="{FF2B5EF4-FFF2-40B4-BE49-F238E27FC236}">
-                <a16:creationId xmlns:a16="http://schemas.microsoft.com/office/drawing/2014/main" id="{A6A7A937-16AD-4C3E-BEBE-B5DC0894DB4A}"/>
-              </a:ext>
-            </a:extLst>
-          </p:cNvPr>
-          <p:cNvPicPr>
-            <a:picLocks noChangeAspect="1"/>
-          </p:cNvPicPr>
-          <p:nvPr>
-            <a:videoFile r:link="rId2"/>
-            <p:extLst>
-              <p:ext uri="{DAA4B4D4-6D71-4841-9C94-3DE7FCFB9230}">
-                <p14:media xmlns:p14="http://schemas.microsoft.com/office/powerpoint/2010/main" r:embed="rId1"/>
-              </p:ext>
-            </p:extLst>
-          </p:nvPr>
-        </p:nvPicPr>
-        <p:blipFill>
-          <a:blip r:embed="rId4"/>
-          <a:stretch>
-            <a:fillRect/>
-          </a:stretch>
-        </p:blipFill>
+      <p:sp>
+        <p:nvSpPr>
+          <p:cNvPr id="7" name="四角形: 角を丸くする 6">
+            <a:extLst>
+              <a:ext uri="{FF2B5EF4-FFF2-40B4-BE49-F238E27FC236}">
+                <a16:creationId xmlns:a16="http://schemas.microsoft.com/office/drawing/2014/main" id="{AADF68CB-E934-45E8-9F03-79A49F0484BF}"/>
+              </a:ext>
+            </a:extLst>
+          </p:cNvPr>
+          <p:cNvSpPr/>
+          <p:nvPr/>
+        </p:nvSpPr>
         <p:spPr>
           <a:xfrm>
-            <a:off x="393547" y="363932"/>
-            <a:ext cx="11404905" cy="6130136"/>
+            <a:off x="795129" y="753212"/>
+            <a:ext cx="10681253" cy="1976735"/>
+          </a:xfrm>
+          <a:prstGeom prst="roundRect">
+            <a:avLst/>
+          </a:prstGeom>
+          <a:solidFill>
+            <a:schemeClr val="accent5">
+              <a:lumMod val="20000"/>
+              <a:lumOff val="80000"/>
+            </a:schemeClr>
+          </a:solidFill>
+          <a:ln>
+            <a:solidFill>
+              <a:schemeClr val="accent5">
+                <a:lumMod val="20000"/>
+                <a:lumOff val="80000"/>
+              </a:schemeClr>
+            </a:solidFill>
+          </a:ln>
+        </p:spPr>
+        <p:style>
+          <a:lnRef idx="2">
+            <a:schemeClr val="accent1">
+              <a:shade val="50000"/>
+            </a:schemeClr>
+          </a:lnRef>
+          <a:fillRef idx="1">
+            <a:schemeClr val="accent1"/>
+          </a:fillRef>
+          <a:effectRef idx="0">
+            <a:schemeClr val="accent1"/>
+          </a:effectRef>
+          <a:fontRef idx="minor">
+            <a:schemeClr val="lt1"/>
+          </a:fontRef>
+        </p:style>
+        <p:txBody>
+          <a:bodyPr rtlCol="0" anchor="ctr"/>
+          <a:lstStyle/>
+          <a:p>
+            <a:endParaRPr lang="en-US" altLang="ja-JP" sz="2800" dirty="0">
+              <a:solidFill>
+                <a:schemeClr val="tx1"/>
+              </a:solidFill>
+            </a:endParaRPr>
+          </a:p>
+          <a:p>
+            <a:r>
+              <a:rPr lang="ja-JP" altLang="en-US" sz="2800" dirty="0">
+                <a:solidFill>
+                  <a:schemeClr val="tx1"/>
+                </a:solidFill>
+              </a:rPr>
+              <a:t>プロト完成</a:t>
+            </a:r>
+            <a:r>
+              <a:rPr lang="en-US" altLang="ja-JP" sz="2800" dirty="0">
+                <a:solidFill>
+                  <a:schemeClr val="tx1"/>
+                </a:solidFill>
+              </a:rPr>
+              <a:t>		12/10	</a:t>
+            </a:r>
+            <a:r>
+              <a:rPr lang="ja-JP" altLang="en-US" sz="2800" dirty="0">
+                <a:solidFill>
+                  <a:schemeClr val="tx1"/>
+                </a:solidFill>
+              </a:rPr>
+              <a:t>・ステージ</a:t>
+            </a:r>
+            <a:r>
+              <a:rPr lang="en-US" altLang="ja-JP" sz="2800" dirty="0">
+                <a:solidFill>
+                  <a:schemeClr val="tx1"/>
+                </a:solidFill>
+              </a:rPr>
+              <a:t>1</a:t>
+            </a:r>
+            <a:r>
+              <a:rPr lang="ja-JP" altLang="en-US" sz="2800" dirty="0">
+                <a:solidFill>
+                  <a:schemeClr val="tx1"/>
+                </a:solidFill>
+              </a:rPr>
+              <a:t>の実装</a:t>
+            </a:r>
+            <a:endParaRPr lang="en-US" altLang="ja-JP" sz="2800" dirty="0">
+              <a:solidFill>
+                <a:schemeClr val="tx1"/>
+              </a:solidFill>
+            </a:endParaRPr>
+          </a:p>
+          <a:p>
+            <a:r>
+              <a:rPr lang="en-US" altLang="ja-JP" sz="2800" dirty="0">
+                <a:solidFill>
+                  <a:schemeClr val="tx1"/>
+                </a:solidFill>
+              </a:rPr>
+              <a:t>					</a:t>
+            </a:r>
+            <a:r>
+              <a:rPr lang="ja-JP" altLang="en-US" sz="2800" dirty="0">
+                <a:solidFill>
+                  <a:schemeClr val="tx1"/>
+                </a:solidFill>
+              </a:rPr>
+              <a:t>・当たり判定</a:t>
+            </a:r>
+            <a:endParaRPr lang="en-US" altLang="ja-JP" sz="2800" dirty="0">
+              <a:solidFill>
+                <a:schemeClr val="tx1"/>
+              </a:solidFill>
+            </a:endParaRPr>
+          </a:p>
+          <a:p>
+            <a:r>
+              <a:rPr lang="en-US" altLang="ja-JP" sz="2800" dirty="0">
+                <a:solidFill>
+                  <a:schemeClr val="tx1"/>
+                </a:solidFill>
+              </a:rPr>
+              <a:t>					</a:t>
+            </a:r>
+            <a:r>
+              <a:rPr lang="ja-JP" altLang="en-US" sz="2800" dirty="0">
+                <a:solidFill>
+                  <a:schemeClr val="tx1"/>
+                </a:solidFill>
+              </a:rPr>
+              <a:t>・プレイヤー実装</a:t>
+            </a:r>
+            <a:endParaRPr lang="en-US" altLang="ja-JP" sz="2800" dirty="0">
+              <a:solidFill>
+                <a:schemeClr val="tx1"/>
+              </a:solidFill>
+            </a:endParaRPr>
+          </a:p>
+          <a:p>
+            <a:r>
+              <a:rPr lang="en-US" altLang="ja-JP" sz="2800" dirty="0">
+                <a:solidFill>
+                  <a:schemeClr val="tx1"/>
+                </a:solidFill>
+              </a:rPr>
+              <a:t>					</a:t>
+            </a:r>
+            <a:r>
+              <a:rPr lang="ja-JP" altLang="en-US" sz="2800" dirty="0">
+                <a:solidFill>
+                  <a:schemeClr val="tx1"/>
+                </a:solidFill>
+              </a:rPr>
+              <a:t>・シーン遷移</a:t>
+            </a:r>
+            <a:endParaRPr lang="en-US" altLang="ja-JP" sz="2800" dirty="0">
+              <a:solidFill>
+                <a:schemeClr val="tx1"/>
+              </a:solidFill>
+            </a:endParaRPr>
+          </a:p>
+          <a:p>
+            <a:pPr algn="ctr"/>
+            <a:endParaRPr kumimoji="1" lang="ja-JP" altLang="en-US" dirty="0"/>
+          </a:p>
+        </p:txBody>
+      </p:sp>
+      <p:sp>
+        <p:nvSpPr>
+          <p:cNvPr id="4" name="テキスト ボックス 3">
+            <a:extLst>
+              <a:ext uri="{FF2B5EF4-FFF2-40B4-BE49-F238E27FC236}">
+                <a16:creationId xmlns:a16="http://schemas.microsoft.com/office/drawing/2014/main" id="{A7937462-988C-4647-A98A-D2E41112AE69}"/>
+              </a:ext>
+            </a:extLst>
+          </p:cNvPr>
+          <p:cNvSpPr txBox="1"/>
+          <p:nvPr/>
+        </p:nvSpPr>
+        <p:spPr>
+          <a:xfrm>
+            <a:off x="1186070" y="5473005"/>
+            <a:ext cx="10091530" cy="954107"/>
           </a:xfrm>
           <a:prstGeom prst="rect">
             <a:avLst/>
           </a:prstGeom>
+          <a:noFill/>
         </p:spPr>
-      </p:pic>
+        <p:txBody>
+          <a:bodyPr wrap="square" rtlCol="0">
+            <a:spAutoFit/>
+          </a:bodyPr>
+          <a:lstStyle/>
+          <a:p>
+            <a:r>
+              <a:rPr lang="ja-JP" altLang="en-US" sz="2800" dirty="0"/>
+              <a:t>　</a:t>
+            </a:r>
+          </a:p>
+          <a:p>
+            <a:endParaRPr kumimoji="1" lang="en-US" altLang="ja-JP" sz="2800" dirty="0"/>
+          </a:p>
+        </p:txBody>
+      </p:sp>
+      <p:sp>
+        <p:nvSpPr>
+          <p:cNvPr id="6" name="テキスト ボックス 5">
+            <a:extLst>
+              <a:ext uri="{FF2B5EF4-FFF2-40B4-BE49-F238E27FC236}">
+                <a16:creationId xmlns:a16="http://schemas.microsoft.com/office/drawing/2014/main" id="{67956609-AC1A-442A-8C31-874DD3F99F63}"/>
+              </a:ext>
+            </a:extLst>
+          </p:cNvPr>
+          <p:cNvSpPr txBox="1"/>
+          <p:nvPr/>
+        </p:nvSpPr>
+        <p:spPr>
+          <a:xfrm>
+            <a:off x="1186070" y="291548"/>
+            <a:ext cx="4359965" cy="461665"/>
+          </a:xfrm>
+          <a:prstGeom prst="rect">
+            <a:avLst/>
+          </a:prstGeom>
+          <a:noFill/>
+        </p:spPr>
+        <p:txBody>
+          <a:bodyPr wrap="square" rtlCol="0">
+            <a:spAutoFit/>
+          </a:bodyPr>
+          <a:lstStyle/>
+          <a:p>
+            <a:r>
+              <a:rPr kumimoji="1" lang="ja-JP" altLang="en-US" sz="2400" dirty="0"/>
+              <a:t>制作期間の目安</a:t>
+            </a:r>
+          </a:p>
+        </p:txBody>
+      </p:sp>
+      <p:sp>
+        <p:nvSpPr>
+          <p:cNvPr id="8" name="四角形: 角を丸くする 7">
+            <a:extLst>
+              <a:ext uri="{FF2B5EF4-FFF2-40B4-BE49-F238E27FC236}">
+                <a16:creationId xmlns:a16="http://schemas.microsoft.com/office/drawing/2014/main" id="{DDE09ACF-C28F-4348-AD20-C4397526D1C0}"/>
+              </a:ext>
+            </a:extLst>
+          </p:cNvPr>
+          <p:cNvSpPr/>
+          <p:nvPr/>
+        </p:nvSpPr>
+        <p:spPr>
+          <a:xfrm>
+            <a:off x="795129" y="3002860"/>
+            <a:ext cx="10681253" cy="1417984"/>
+          </a:xfrm>
+          <a:prstGeom prst="roundRect">
+            <a:avLst/>
+          </a:prstGeom>
+          <a:solidFill>
+            <a:schemeClr val="accent5">
+              <a:lumMod val="40000"/>
+              <a:lumOff val="60000"/>
+            </a:schemeClr>
+          </a:solidFill>
+          <a:ln>
+            <a:solidFill>
+              <a:schemeClr val="accent5">
+                <a:lumMod val="40000"/>
+                <a:lumOff val="60000"/>
+              </a:schemeClr>
+            </a:solidFill>
+          </a:ln>
+        </p:spPr>
+        <p:style>
+          <a:lnRef idx="2">
+            <a:schemeClr val="accent1">
+              <a:shade val="50000"/>
+            </a:schemeClr>
+          </a:lnRef>
+          <a:fillRef idx="1">
+            <a:schemeClr val="accent1"/>
+          </a:fillRef>
+          <a:effectRef idx="0">
+            <a:schemeClr val="accent1"/>
+          </a:effectRef>
+          <a:fontRef idx="minor">
+            <a:schemeClr val="lt1"/>
+          </a:fontRef>
+        </p:style>
+        <p:txBody>
+          <a:bodyPr rtlCol="0" anchor="ctr"/>
+          <a:lstStyle/>
+          <a:p>
+            <a:endParaRPr lang="en-US" altLang="ja-JP" sz="2800" dirty="0">
+              <a:solidFill>
+                <a:schemeClr val="tx1"/>
+              </a:solidFill>
+            </a:endParaRPr>
+          </a:p>
+          <a:p>
+            <a:r>
+              <a:rPr lang="en-US" altLang="ja-JP" sz="2800" dirty="0">
+                <a:solidFill>
+                  <a:schemeClr val="tx1"/>
+                </a:solidFill>
+              </a:rPr>
+              <a:t>α</a:t>
+            </a:r>
+            <a:r>
+              <a:rPr lang="ja-JP" altLang="en-US" sz="2800" dirty="0">
+                <a:solidFill>
+                  <a:schemeClr val="tx1"/>
+                </a:solidFill>
+              </a:rPr>
+              <a:t>完成　　　</a:t>
+            </a:r>
+            <a:r>
+              <a:rPr lang="en-US" altLang="ja-JP" sz="2800" dirty="0">
+                <a:solidFill>
+                  <a:schemeClr val="tx1"/>
+                </a:solidFill>
+              </a:rPr>
+              <a:t>	1/1		</a:t>
+            </a:r>
+            <a:r>
+              <a:rPr lang="ja-JP" altLang="en-US" sz="2800" dirty="0">
+                <a:solidFill>
+                  <a:schemeClr val="tx1"/>
+                </a:solidFill>
+              </a:rPr>
+              <a:t>・全ステージの実装</a:t>
+            </a:r>
+            <a:r>
+              <a:rPr lang="en-US" altLang="ja-JP" sz="2800" dirty="0">
+                <a:solidFill>
+                  <a:schemeClr val="tx1"/>
+                </a:solidFill>
+              </a:rPr>
+              <a:t>(20</a:t>
+            </a:r>
+            <a:r>
+              <a:rPr lang="ja-JP" altLang="en-US" sz="2800" dirty="0">
+                <a:solidFill>
+                  <a:schemeClr val="tx1"/>
+                </a:solidFill>
+              </a:rPr>
+              <a:t>ステージ</a:t>
+            </a:r>
+            <a:r>
+              <a:rPr lang="en-US" altLang="ja-JP" sz="2800" dirty="0">
+                <a:solidFill>
+                  <a:schemeClr val="tx1"/>
+                </a:solidFill>
+              </a:rPr>
+              <a:t>)</a:t>
+            </a:r>
+          </a:p>
+          <a:p>
+            <a:r>
+              <a:rPr lang="en-US" altLang="ja-JP" sz="2800" dirty="0">
+                <a:solidFill>
+                  <a:schemeClr val="tx1"/>
+                </a:solidFill>
+              </a:rPr>
+              <a:t>					</a:t>
+            </a:r>
+            <a:r>
+              <a:rPr lang="ja-JP" altLang="en-US" sz="2800" dirty="0">
+                <a:solidFill>
+                  <a:schemeClr val="tx1"/>
+                </a:solidFill>
+              </a:rPr>
+              <a:t>・全ギミックの実装</a:t>
+            </a:r>
+            <a:r>
+              <a:rPr lang="en-US" altLang="ja-JP" sz="2800" dirty="0">
+                <a:solidFill>
+                  <a:schemeClr val="tx1"/>
+                </a:solidFill>
+              </a:rPr>
+              <a:t>(5</a:t>
+            </a:r>
+            <a:r>
+              <a:rPr lang="ja-JP" altLang="en-US" sz="2800" dirty="0">
+                <a:solidFill>
+                  <a:schemeClr val="tx1"/>
+                </a:solidFill>
+              </a:rPr>
+              <a:t>種類</a:t>
+            </a:r>
+            <a:r>
+              <a:rPr lang="en-US" altLang="ja-JP" sz="2800" dirty="0">
+                <a:solidFill>
+                  <a:schemeClr val="tx1"/>
+                </a:solidFill>
+              </a:rPr>
+              <a:t>)</a:t>
+            </a:r>
+          </a:p>
+          <a:p>
+            <a:r>
+              <a:rPr lang="en-US" altLang="ja-JP" sz="2800" dirty="0">
+                <a:solidFill>
+                  <a:schemeClr val="tx1"/>
+                </a:solidFill>
+              </a:rPr>
+              <a:t>					</a:t>
+            </a:r>
+            <a:r>
+              <a:rPr lang="ja-JP" altLang="en-US" sz="2800" dirty="0">
+                <a:solidFill>
+                  <a:schemeClr val="tx1"/>
+                </a:solidFill>
+              </a:rPr>
+              <a:t>・</a:t>
+            </a:r>
+            <a:r>
+              <a:rPr lang="en-US" altLang="ja-JP" sz="2800" dirty="0">
+                <a:solidFill>
+                  <a:schemeClr val="tx1"/>
+                </a:solidFill>
+              </a:rPr>
+              <a:t>UI</a:t>
+            </a:r>
+          </a:p>
+          <a:p>
+            <a:pPr algn="ctr"/>
+            <a:endParaRPr kumimoji="1" lang="ja-JP" altLang="en-US" dirty="0"/>
+          </a:p>
+        </p:txBody>
+      </p:sp>
+      <p:sp>
+        <p:nvSpPr>
+          <p:cNvPr id="11" name="四角形: 角を丸くする 10">
+            <a:extLst>
+              <a:ext uri="{FF2B5EF4-FFF2-40B4-BE49-F238E27FC236}">
+                <a16:creationId xmlns:a16="http://schemas.microsoft.com/office/drawing/2014/main" id="{3C4EE81C-31EE-451B-B809-84B0BB9C4F78}"/>
+              </a:ext>
+            </a:extLst>
+          </p:cNvPr>
+          <p:cNvSpPr/>
+          <p:nvPr/>
+        </p:nvSpPr>
+        <p:spPr>
+          <a:xfrm>
+            <a:off x="795129" y="4693757"/>
+            <a:ext cx="10681253" cy="973180"/>
+          </a:xfrm>
+          <a:prstGeom prst="roundRect">
+            <a:avLst/>
+          </a:prstGeom>
+          <a:solidFill>
+            <a:schemeClr val="accent5">
+              <a:lumMod val="60000"/>
+              <a:lumOff val="40000"/>
+            </a:schemeClr>
+          </a:solidFill>
+          <a:ln>
+            <a:solidFill>
+              <a:schemeClr val="accent5">
+                <a:lumMod val="60000"/>
+                <a:lumOff val="40000"/>
+              </a:schemeClr>
+            </a:solidFill>
+          </a:ln>
+        </p:spPr>
+        <p:style>
+          <a:lnRef idx="2">
+            <a:schemeClr val="accent1">
+              <a:shade val="50000"/>
+            </a:schemeClr>
+          </a:lnRef>
+          <a:fillRef idx="1">
+            <a:schemeClr val="accent1"/>
+          </a:fillRef>
+          <a:effectRef idx="0">
+            <a:schemeClr val="accent1"/>
+          </a:effectRef>
+          <a:fontRef idx="minor">
+            <a:schemeClr val="lt1"/>
+          </a:fontRef>
+        </p:style>
+        <p:txBody>
+          <a:bodyPr rtlCol="0" anchor="ctr"/>
+          <a:lstStyle/>
+          <a:p>
+            <a:endParaRPr lang="en-US" altLang="ja-JP" sz="2800" dirty="0">
+              <a:solidFill>
+                <a:schemeClr val="tx1"/>
+              </a:solidFill>
+            </a:endParaRPr>
+          </a:p>
+          <a:p>
+            <a:r>
+              <a:rPr kumimoji="1" lang="en-US" altLang="ja-JP" sz="2800" dirty="0">
+                <a:solidFill>
+                  <a:schemeClr val="tx1"/>
+                </a:solidFill>
+              </a:rPr>
+              <a:t>β</a:t>
+            </a:r>
+            <a:r>
+              <a:rPr kumimoji="1" lang="ja-JP" altLang="en-US" sz="2800" dirty="0">
+                <a:solidFill>
+                  <a:schemeClr val="tx1"/>
+                </a:solidFill>
+              </a:rPr>
+              <a:t>完成　　　</a:t>
+            </a:r>
+            <a:r>
+              <a:rPr kumimoji="1" lang="en-US" altLang="ja-JP" sz="2800" dirty="0">
+                <a:solidFill>
+                  <a:schemeClr val="tx1"/>
+                </a:solidFill>
+              </a:rPr>
+              <a:t>	1/15		</a:t>
+            </a:r>
+            <a:r>
+              <a:rPr lang="ja-JP" altLang="en-US" sz="2800" dirty="0">
+                <a:solidFill>
+                  <a:schemeClr val="tx1"/>
+                </a:solidFill>
+              </a:rPr>
+              <a:t>・グラフィックの決定</a:t>
+            </a:r>
+            <a:endParaRPr lang="en-US" altLang="ja-JP" sz="2800" dirty="0">
+              <a:solidFill>
+                <a:schemeClr val="tx1"/>
+              </a:solidFill>
+            </a:endParaRPr>
+          </a:p>
+          <a:p>
+            <a:r>
+              <a:rPr lang="en-US" altLang="ja-JP" sz="2800" dirty="0">
+                <a:solidFill>
+                  <a:schemeClr val="tx1"/>
+                </a:solidFill>
+              </a:rPr>
+              <a:t>					</a:t>
+            </a:r>
+            <a:r>
+              <a:rPr lang="ja-JP" altLang="en-US" sz="2800" dirty="0">
+                <a:solidFill>
+                  <a:schemeClr val="tx1"/>
+                </a:solidFill>
+              </a:rPr>
+              <a:t>・音声データの決定</a:t>
+            </a:r>
+            <a:endParaRPr kumimoji="1" lang="en-US" altLang="ja-JP" sz="2800" dirty="0">
+              <a:solidFill>
+                <a:schemeClr val="tx1"/>
+              </a:solidFill>
+            </a:endParaRPr>
+          </a:p>
+          <a:p>
+            <a:pPr algn="ctr"/>
+            <a:endParaRPr kumimoji="1" lang="ja-JP" altLang="en-US" dirty="0"/>
+          </a:p>
+        </p:txBody>
+      </p:sp>
+      <p:sp>
+        <p:nvSpPr>
+          <p:cNvPr id="12" name="四角形: 角を丸くする 11">
+            <a:extLst>
+              <a:ext uri="{FF2B5EF4-FFF2-40B4-BE49-F238E27FC236}">
+                <a16:creationId xmlns:a16="http://schemas.microsoft.com/office/drawing/2014/main" id="{E97E06DF-589B-4D0D-AD19-AB5B61C5D1CA}"/>
+              </a:ext>
+            </a:extLst>
+          </p:cNvPr>
+          <p:cNvSpPr/>
+          <p:nvPr/>
+        </p:nvSpPr>
+        <p:spPr>
+          <a:xfrm>
+            <a:off x="795129" y="5939850"/>
+            <a:ext cx="10681253" cy="613800"/>
+          </a:xfrm>
+          <a:prstGeom prst="roundRect">
+            <a:avLst/>
+          </a:prstGeom>
+          <a:solidFill>
+            <a:srgbClr val="8EBAE2"/>
+          </a:solidFill>
+          <a:ln>
+            <a:noFill/>
+          </a:ln>
+        </p:spPr>
+        <p:style>
+          <a:lnRef idx="2">
+            <a:schemeClr val="accent1">
+              <a:shade val="50000"/>
+            </a:schemeClr>
+          </a:lnRef>
+          <a:fillRef idx="1">
+            <a:schemeClr val="accent1"/>
+          </a:fillRef>
+          <a:effectRef idx="0">
+            <a:schemeClr val="accent1"/>
+          </a:effectRef>
+          <a:fontRef idx="minor">
+            <a:schemeClr val="lt1"/>
+          </a:fontRef>
+        </p:style>
+        <p:txBody>
+          <a:bodyPr rtlCol="0" anchor="ctr"/>
+          <a:lstStyle/>
+          <a:p>
+            <a:endParaRPr lang="en-US" altLang="ja-JP" sz="2800" dirty="0">
+              <a:solidFill>
+                <a:schemeClr val="tx1"/>
+              </a:solidFill>
+            </a:endParaRPr>
+          </a:p>
+          <a:p>
+            <a:r>
+              <a:rPr kumimoji="1" lang="ja-JP" altLang="en-US" sz="2800" dirty="0">
+                <a:solidFill>
+                  <a:schemeClr val="tx1"/>
+                </a:solidFill>
+              </a:rPr>
+              <a:t>マスター完成</a:t>
+            </a:r>
+            <a:r>
+              <a:rPr kumimoji="1" lang="en-US" altLang="ja-JP" sz="2800" dirty="0">
+                <a:solidFill>
+                  <a:schemeClr val="tx1"/>
+                </a:solidFill>
+              </a:rPr>
+              <a:t>	1/31		</a:t>
+            </a:r>
+            <a:r>
+              <a:rPr lang="ja-JP" altLang="en-US" sz="2800" dirty="0">
+                <a:solidFill>
+                  <a:schemeClr val="tx1"/>
+                </a:solidFill>
+              </a:rPr>
+              <a:t>・バグの修正</a:t>
+            </a:r>
+            <a:endParaRPr kumimoji="1" lang="ja-JP" altLang="en-US" sz="2800" dirty="0">
+              <a:solidFill>
+                <a:schemeClr val="tx1"/>
+              </a:solidFill>
+            </a:endParaRPr>
+          </a:p>
+          <a:p>
+            <a:pPr algn="ctr"/>
+            <a:endParaRPr kumimoji="1" lang="ja-JP" altLang="en-US" dirty="0"/>
+          </a:p>
+        </p:txBody>
+      </p:sp>
     </p:spTree>
     <p:extLst>
       <p:ext uri="{BB962C8B-B14F-4D97-AF65-F5344CB8AC3E}">
-        <p14:creationId xmlns:p14="http://schemas.microsoft.com/office/powerpoint/2010/main" val="636513849"/>
+        <p14:creationId xmlns:p14="http://schemas.microsoft.com/office/powerpoint/2010/main" val="3084099424"/>
       </p:ext>
     </p:extLst>
   </p:cSld>
   <p:clrMapOvr>
     <a:masterClrMapping/>
   </p:clrMapOvr>
-  <p:timing>
-    <p:tnLst>
-      <p:par>
-        <p:cTn id="1" dur="indefinite" restart="never" nodeType="tmRoot">
-          <p:childTnLst>
-            <p:seq concurrent="1" nextAc="seek">
-              <p:cTn id="2" dur="indefinite" nodeType="mainSeq">
-                <p:childTnLst>
-                  <p:par>
-                    <p:cTn id="3" fill="hold">
-                      <p:stCondLst>
-                        <p:cond delay="indefinite"/>
-                      </p:stCondLst>
-                      <p:childTnLst>
-                        <p:par>
-                          <p:cTn id="4" fill="hold">
-                            <p:stCondLst>
-                              <p:cond delay="0"/>
-                            </p:stCondLst>
-                            <p:childTnLst>
-                              <p:par>
-                                <p:cTn id="5" presetID="1" presetClass="mediacall" presetSubtype="0" fill="hold" nodeType="clickEffect">
-                                  <p:stCondLst>
-                                    <p:cond delay="0"/>
-                                  </p:stCondLst>
-                                  <p:childTnLst>
-                                    <p:cmd type="call" cmd="playFrom(0.0)">
-                                      <p:cBhvr>
-                                        <p:cTn id="6" dur="6975" fill="hold"/>
-                                        <p:tgtEl>
-                                          <p:spTgt spid="2"/>
-                                        </p:tgtEl>
-                                      </p:cBhvr>
-                                    </p:cmd>
-                                  </p:childTnLst>
-                                </p:cTn>
-                              </p:par>
-                            </p:childTnLst>
-                          </p:cTn>
-                        </p:par>
-                      </p:childTnLst>
-                    </p:cTn>
-                  </p:par>
-                </p:childTnLst>
-              </p:cTn>
-              <p:prevCondLst>
-                <p:cond evt="onPrev" delay="0">
-                  <p:tgtEl>
-                    <p:sldTgt/>
-                  </p:tgtEl>
-                </p:cond>
-              </p:prevCondLst>
-              <p:nextCondLst>
-                <p:cond evt="onNext" delay="0">
-                  <p:tgtEl>
-                    <p:sldTgt/>
-                  </p:tgtEl>
-                </p:cond>
-              </p:nextCondLst>
-            </p:seq>
-            <p:video>
-              <p:cMediaNode vol="80000">
-                <p:cTn id="7" fill="hold" display="0">
-                  <p:stCondLst>
-                    <p:cond delay="indefinite"/>
-                  </p:stCondLst>
-                </p:cTn>
-                <p:tgtEl>
-                  <p:spTgt spid="2"/>
-                </p:tgtEl>
-              </p:cMediaNode>
-            </p:video>
-            <p:seq concurrent="1" nextAc="seek">
-              <p:cTn id="8" restart="whenNotActive" fill="hold" evtFilter="cancelBubble" nodeType="interactiveSeq">
-                <p:stCondLst>
-                  <p:cond evt="onClick" delay="0">
-                    <p:tgtEl>
-                      <p:spTgt spid="2"/>
-                    </p:tgtEl>
-                  </p:cond>
-                </p:stCondLst>
-                <p:endSync evt="end" delay="0">
-                  <p:rtn val="all"/>
-                </p:endSync>
-                <p:childTnLst>
-                  <p:par>
-                    <p:cTn id="9" fill="hold">
-                      <p:stCondLst>
-                        <p:cond delay="0"/>
-                      </p:stCondLst>
-                      <p:childTnLst>
-                        <p:par>
-                          <p:cTn id="10" fill="hold">
-                            <p:stCondLst>
-                              <p:cond delay="0"/>
-                            </p:stCondLst>
-                            <p:childTnLst>
-                              <p:par>
-                                <p:cTn id="11" presetID="2" presetClass="mediacall" presetSubtype="0" fill="hold" nodeType="clickEffect">
-                                  <p:stCondLst>
-                                    <p:cond delay="0"/>
-                                  </p:stCondLst>
-                                  <p:childTnLst>
-                                    <p:cmd type="call" cmd="togglePause">
-                                      <p:cBhvr>
-                                        <p:cTn id="12" dur="1" fill="hold"/>
-                                        <p:tgtEl>
-                                          <p:spTgt spid="2"/>
-                                        </p:tgtEl>
-                                      </p:cBhvr>
-                                    </p:cmd>
-                                  </p:childTnLst>
-                                </p:cTn>
-                              </p:par>
-                            </p:childTnLst>
-                          </p:cTn>
-                        </p:par>
-                      </p:childTnLst>
-                    </p:cTn>
-                  </p:par>
-                </p:childTnLst>
-              </p:cTn>
-              <p:nextCondLst>
-                <p:cond evt="onClick" delay="0">
-                  <p:tgtEl>
-                    <p:spTgt spid="2"/>
-                  </p:tgtEl>
-                </p:cond>
-              </p:nextCondLst>
-            </p:seq>
-          </p:childTnLst>
-        </p:cTn>
-      </p:par>
-    </p:tnLst>
-  </p:timing>
 </p:sld>
 </file>
 
